--- a/xml/25 DTD avanzados.pptx
+++ b/xml/25 DTD avanzados.pptx
@@ -23,7 +23,13 @@
     <p:sldId id="307" r:id="rId17"/>
     <p:sldId id="308" r:id="rId18"/>
     <p:sldId id="309" r:id="rId19"/>
-    <p:sldId id="310" r:id="rId20"/>
+    <p:sldId id="317" r:id="rId20"/>
+    <p:sldId id="319" r:id="rId21"/>
+    <p:sldId id="322" r:id="rId22"/>
+    <p:sldId id="320" r:id="rId23"/>
+    <p:sldId id="321" r:id="rId24"/>
+    <p:sldId id="318" r:id="rId25"/>
+    <p:sldId id="310" r:id="rId26"/>
   </p:sldIdLst>
   <p:sldSz cx="9144000" cy="6858000" type="screen4x3"/>
   <p:notesSz cx="6858000" cy="9144000"/>
@@ -307,7 +313,7 @@
             <a:fld id="{7A847CFC-816F-41D0-AAC0-9BF4FEBC753E}" type="datetimeFigureOut">
               <a:rPr lang="es-ES" smtClean="0"/>
               <a:pPr/>
-              <a:t>08/01/2018</a:t>
+              <a:t>28/01/2018</a:t>
             </a:fld>
             <a:endParaRPr lang="es-ES"/>
           </a:p>
@@ -474,7 +480,7 @@
             <a:fld id="{7A847CFC-816F-41D0-AAC0-9BF4FEBC753E}" type="datetimeFigureOut">
               <a:rPr lang="es-ES" smtClean="0"/>
               <a:pPr/>
-              <a:t>08/01/2018</a:t>
+              <a:t>28/01/2018</a:t>
             </a:fld>
             <a:endParaRPr lang="es-ES"/>
           </a:p>
@@ -651,7 +657,7 @@
             <a:fld id="{7A847CFC-816F-41D0-AAC0-9BF4FEBC753E}" type="datetimeFigureOut">
               <a:rPr lang="es-ES" smtClean="0"/>
               <a:pPr/>
-              <a:t>08/01/2018</a:t>
+              <a:t>28/01/2018</a:t>
             </a:fld>
             <a:endParaRPr lang="es-ES"/>
           </a:p>
@@ -818,7 +824,7 @@
             <a:fld id="{7A847CFC-816F-41D0-AAC0-9BF4FEBC753E}" type="datetimeFigureOut">
               <a:rPr lang="es-ES" smtClean="0"/>
               <a:pPr/>
-              <a:t>08/01/2018</a:t>
+              <a:t>28/01/2018</a:t>
             </a:fld>
             <a:endParaRPr lang="es-ES"/>
           </a:p>
@@ -1061,7 +1067,7 @@
             <a:fld id="{7A847CFC-816F-41D0-AAC0-9BF4FEBC753E}" type="datetimeFigureOut">
               <a:rPr lang="es-ES" smtClean="0"/>
               <a:pPr/>
-              <a:t>08/01/2018</a:t>
+              <a:t>28/01/2018</a:t>
             </a:fld>
             <a:endParaRPr lang="es-ES"/>
           </a:p>
@@ -1346,7 +1352,7 @@
             <a:fld id="{7A847CFC-816F-41D0-AAC0-9BF4FEBC753E}" type="datetimeFigureOut">
               <a:rPr lang="es-ES" smtClean="0"/>
               <a:pPr/>
-              <a:t>08/01/2018</a:t>
+              <a:t>28/01/2018</a:t>
             </a:fld>
             <a:endParaRPr lang="es-ES"/>
           </a:p>
@@ -1765,7 +1771,7 @@
             <a:fld id="{7A847CFC-816F-41D0-AAC0-9BF4FEBC753E}" type="datetimeFigureOut">
               <a:rPr lang="es-ES" smtClean="0"/>
               <a:pPr/>
-              <a:t>08/01/2018</a:t>
+              <a:t>28/01/2018</a:t>
             </a:fld>
             <a:endParaRPr lang="es-ES"/>
           </a:p>
@@ -1880,7 +1886,7 @@
             <a:fld id="{7A847CFC-816F-41D0-AAC0-9BF4FEBC753E}" type="datetimeFigureOut">
               <a:rPr lang="es-ES" smtClean="0"/>
               <a:pPr/>
-              <a:t>08/01/2018</a:t>
+              <a:t>28/01/2018</a:t>
             </a:fld>
             <a:endParaRPr lang="es-ES"/>
           </a:p>
@@ -1972,7 +1978,7 @@
             <a:fld id="{7A847CFC-816F-41D0-AAC0-9BF4FEBC753E}" type="datetimeFigureOut">
               <a:rPr lang="es-ES" smtClean="0"/>
               <a:pPr/>
-              <a:t>08/01/2018</a:t>
+              <a:t>28/01/2018</a:t>
             </a:fld>
             <a:endParaRPr lang="es-ES"/>
           </a:p>
@@ -2246,7 +2252,7 @@
             <a:fld id="{7A847CFC-816F-41D0-AAC0-9BF4FEBC753E}" type="datetimeFigureOut">
               <a:rPr lang="es-ES" smtClean="0"/>
               <a:pPr/>
-              <a:t>08/01/2018</a:t>
+              <a:t>28/01/2018</a:t>
             </a:fld>
             <a:endParaRPr lang="es-ES"/>
           </a:p>
@@ -2496,7 +2502,7 @@
             <a:fld id="{7A847CFC-816F-41D0-AAC0-9BF4FEBC753E}" type="datetimeFigureOut">
               <a:rPr lang="es-ES" smtClean="0"/>
               <a:pPr/>
-              <a:t>08/01/2018</a:t>
+              <a:t>28/01/2018</a:t>
             </a:fld>
             <a:endParaRPr lang="es-ES"/>
           </a:p>
@@ -2706,7 +2712,7 @@
             <a:fld id="{7A847CFC-816F-41D0-AAC0-9BF4FEBC753E}" type="datetimeFigureOut">
               <a:rPr lang="es-ES" smtClean="0"/>
               <a:pPr/>
-              <a:t>08/01/2018</a:t>
+              <a:t>28/01/2018</a:t>
             </a:fld>
             <a:endParaRPr lang="es-ES"/>
           </a:p>
@@ -3250,7 +3256,7 @@
             </a:pPr>
             <a:r>
               <a:rPr lang="es-ES" sz="2000" dirty="0" smtClean="0"/>
-              <a:t>“</a:t>
+              <a:t>"</a:t>
             </a:r>
             <a:r>
               <a:rPr lang="es-ES" sz="2000" dirty="0" err="1" smtClean="0">
@@ -3262,7 +3268,7 @@
             </a:r>
             <a:r>
               <a:rPr lang="es-ES" sz="2000" dirty="0" smtClean="0"/>
-              <a:t> “ es el nombre del elemento para el que se define un atributo.</a:t>
+              <a:t> " es el nombre del elemento para el que se define un atributo.</a:t>
             </a:r>
           </a:p>
           <a:p>
@@ -3272,7 +3278,7 @@
             </a:pPr>
             <a:r>
               <a:rPr lang="es-ES" sz="2000" dirty="0" smtClean="0"/>
-              <a:t>“ </a:t>
+              <a:t>" </a:t>
             </a:r>
             <a:r>
               <a:rPr lang="es-ES" sz="2000" dirty="0" err="1" smtClean="0">
@@ -3286,7 +3292,7 @@
             </a:r>
             <a:r>
               <a:rPr lang="es-ES" sz="2000" dirty="0" smtClean="0"/>
-              <a:t> “ es el nombre del atributo.</a:t>
+              <a:t> " es el nombre del atributo.</a:t>
             </a:r>
           </a:p>
           <a:p>
@@ -3296,7 +3302,7 @@
             </a:pPr>
             <a:r>
               <a:rPr lang="es-ES" sz="2000" dirty="0" smtClean="0"/>
-              <a:t>“ </a:t>
+              <a:t>" </a:t>
             </a:r>
             <a:r>
               <a:rPr lang="es-ES" sz="2000" dirty="0" err="1" smtClean="0">
@@ -3308,7 +3314,7 @@
             </a:r>
             <a:r>
               <a:rPr lang="es-ES" sz="2000" dirty="0" smtClean="0"/>
-              <a:t> “ es el tipo de datos .</a:t>
+              <a:t> " es el tipo de datos .</a:t>
             </a:r>
           </a:p>
           <a:p>
@@ -3318,7 +3324,7 @@
             </a:pPr>
             <a:r>
               <a:rPr lang="es-ES" sz="2000" dirty="0" smtClean="0"/>
-              <a:t>“ </a:t>
+              <a:t>" </a:t>
             </a:r>
             <a:r>
               <a:rPr lang="es-ES" sz="2000" dirty="0" err="1" smtClean="0">
@@ -3332,7 +3338,7 @@
             </a:r>
             <a:r>
               <a:rPr lang="es-ES" sz="2000" dirty="0" smtClean="0"/>
-              <a:t> “ es el valor predeterminado del atributo (aunque también puede indicar otras cosas).</a:t>
+              <a:t> " es el valor predeterminado del atributo (aunque también puede indicar otras cosas).</a:t>
             </a:r>
           </a:p>
           <a:p>
@@ -3492,7 +3498,31 @@
             </a:r>
             <a:r>
               <a:rPr lang="es-ES" sz="2000" dirty="0" smtClean="0"/>
-              <a:t> con el valor del atributo ID de </a:t>
+              <a:t> con </a:t>
+            </a:r>
+            <a:r>
+              <a:rPr lang="es-ES" sz="2000" dirty="0" smtClean="0">
+                <a:solidFill>
+                  <a:srgbClr val="0070C0"/>
+                </a:solidFill>
+              </a:rPr>
+              <a:t>el valor </a:t>
+            </a:r>
+            <a:r>
+              <a:rPr lang="es-ES" sz="2000" dirty="0" smtClean="0"/>
+              <a:t>de un atributo </a:t>
+            </a:r>
+            <a:r>
+              <a:rPr lang="es-ES" sz="2000" dirty="0" smtClean="0">
+                <a:solidFill>
+                  <a:srgbClr val="0070C0"/>
+                </a:solidFill>
+              </a:rPr>
+              <a:t>de tipo ID</a:t>
+            </a:r>
+            <a:r>
+              <a:rPr lang="es-ES" sz="2000" dirty="0" smtClean="0"/>
+              <a:t> de </a:t>
             </a:r>
             <a:r>
               <a:rPr lang="es-ES" sz="2000" dirty="0" smtClean="0">
@@ -3998,7 +4028,7 @@
             </a:r>
             <a:r>
               <a:rPr lang="es-ES" sz="2000" dirty="0" smtClean="0"/>
-              <a:t> que coinciden con el valor del atributo </a:t>
+              <a:t> que coinciden con el valor de un atributo de </a:t>
             </a:r>
             <a:r>
               <a:rPr lang="es-ES" sz="2000" dirty="0" smtClean="0">
@@ -4006,7 +4036,31 @@
                   <a:srgbClr val="0070C0"/>
                 </a:solidFill>
               </a:rPr>
-              <a:t>ID de otros elementos</a:t>
+              <a:t>tipo</a:t>
+            </a:r>
+            <a:r>
+              <a:rPr lang="es-ES" sz="2000" dirty="0" smtClean="0"/>
+              <a:t> </a:t>
+            </a:r>
+            <a:r>
+              <a:rPr lang="es-ES" sz="2000" dirty="0" smtClean="0">
+                <a:solidFill>
+                  <a:srgbClr val="0070C0"/>
+                </a:solidFill>
+              </a:rPr>
+              <a:t>ID </a:t>
+            </a:r>
+            <a:r>
+              <a:rPr lang="es-ES" sz="2000" dirty="0" smtClean="0"/>
+              <a:t>de</a:t>
+            </a:r>
+            <a:r>
+              <a:rPr lang="es-ES" sz="2000" dirty="0" smtClean="0">
+                <a:solidFill>
+                  <a:srgbClr val="0070C0"/>
+                </a:solidFill>
+              </a:rPr>
+              <a:t> otros elementos</a:t>
             </a:r>
             <a:r>
               <a:rPr lang="es-ES" sz="2000" dirty="0" smtClean="0"/>
@@ -4322,7 +4376,7 @@
                   <a:srgbClr val="FF0000"/>
                 </a:solidFill>
               </a:rPr>
-              <a:t>=“L1 L2"&gt;Olga Cantalapiedra&lt;/</a:t>
+              <a:t>="L1 L2"&gt;Olga Cantalapiedra&lt;/</a:t>
             </a:r>
             <a:r>
               <a:rPr lang="es-ES" sz="2000" dirty="0" err="1" smtClean="0">
@@ -4860,7 +4914,7 @@
                   <a:srgbClr val="FF0000"/>
                 </a:solidFill>
               </a:rPr>
-              <a:t>=“L1"&gt;Olga Cantalapiedra&lt;/</a:t>
+              <a:t>="L1"&gt;Olga Cantalapiedra&lt;/</a:t>
             </a:r>
             <a:r>
               <a:rPr lang="es-ES" sz="2000" dirty="0" err="1" smtClean="0">
@@ -5383,7 +5437,7 @@
                   <a:srgbClr val="FF0000"/>
                 </a:solidFill>
               </a:rPr>
-              <a:t>=“L3"&gt;Olga Cantalapiedra&lt;/</a:t>
+              <a:t>="L3"&gt;Olga Cantalapiedra&lt;/</a:t>
             </a:r>
             <a:r>
               <a:rPr lang="es-ES" sz="2000" dirty="0" err="1" smtClean="0">
@@ -6763,7 +6817,7 @@
                   <a:srgbClr val="FF0000"/>
                 </a:solidFill>
               </a:rPr>
-              <a:t>#FIXED “verde”</a:t>
+              <a:t>#FIXED "verde"</a:t>
             </a:r>
             <a:r>
               <a:rPr lang="es-ES" dirty="0" smtClean="0">
@@ -6854,7 +6908,7 @@
                   <a:srgbClr val="FF0000"/>
                 </a:solidFill>
               </a:rPr>
-              <a:t>=“</a:t>
+              <a:t>="</a:t>
             </a:r>
             <a:r>
               <a:rPr lang="es-ES" dirty="0" smtClean="0"/>
@@ -6945,7 +6999,7 @@
                   <a:srgbClr val="FF0000"/>
                 </a:solidFill>
               </a:rPr>
-              <a:t>=“</a:t>
+              <a:t>="</a:t>
             </a:r>
             <a:r>
               <a:rPr lang="es-ES" dirty="0" smtClean="0"/>
@@ -7208,7 +7262,7 @@
                   <a:srgbClr val="FF0000"/>
                 </a:solidFill>
               </a:rPr>
-              <a:t>“verde”</a:t>
+              <a:t>"verde"</a:t>
             </a:r>
             <a:r>
               <a:rPr lang="es-ES" dirty="0" smtClean="0">
@@ -7369,7 +7423,7 @@
                   <a:srgbClr val="FF0000"/>
                 </a:solidFill>
               </a:rPr>
-              <a:t>=“</a:t>
+              <a:t>="</a:t>
             </a:r>
             <a:r>
               <a:rPr lang="es-ES" dirty="0" smtClean="0"/>
@@ -7487,13 +7541,13 @@
         </p:nvSpPr>
         <p:spPr>
           <a:xfrm>
-            <a:off x="467544" y="-315416"/>
-            <a:ext cx="8229600" cy="1143000"/>
+            <a:off x="0" y="-315416"/>
+            <a:ext cx="9144000" cy="1143000"/>
           </a:xfrm>
         </p:spPr>
         <p:txBody>
           <a:bodyPr>
-            <a:normAutofit fontScale="90000"/>
+            <a:noAutofit/>
           </a:bodyPr>
           <a:lstStyle/>
           <a:p>
@@ -7501,7 +7555,6 @@
               <a:rPr lang="es-ES" dirty="0" smtClean="0"/>
               <a:t>DTD: Definición de Tipo de Documento</a:t>
             </a:r>
-            <a:endParaRPr lang="es-ES" dirty="0"/>
           </a:p>
         </p:txBody>
       </p:sp>
@@ -7513,8 +7566,8 @@
         </p:nvSpPr>
         <p:spPr>
           <a:xfrm>
-            <a:off x="251520" y="764704"/>
-            <a:ext cx="8784976" cy="3508653"/>
+            <a:off x="359024" y="764704"/>
+            <a:ext cx="8784976" cy="5940088"/>
           </a:xfrm>
           <a:prstGeom prst="rect">
             <a:avLst/>
@@ -7529,7 +7582,7 @@
           <a:p>
             <a:r>
               <a:rPr lang="es-ES" sz="2000" b="1" dirty="0" smtClean="0"/>
-              <a:t>Atributos </a:t>
+              <a:t>Entidades</a:t>
             </a:r>
           </a:p>
           <a:p>
@@ -7537,78 +7590,158 @@
           </a:p>
           <a:p>
             <a:r>
-              <a:rPr lang="es-ES" sz="2000" b="1" dirty="0" smtClean="0"/>
-              <a:t>Ejercicios</a:t>
-            </a:r>
-          </a:p>
-          <a:p>
-            <a:pPr algn="just"/>
-            <a:endParaRPr lang="es-ES" dirty="0" smtClean="0"/>
-          </a:p>
-          <a:p>
-            <a:pPr algn="just"/>
-            <a:endParaRPr lang="es-ES" dirty="0" smtClean="0"/>
-          </a:p>
-          <a:p>
-            <a:pPr algn="just"/>
-            <a:endParaRPr lang="es-ES" dirty="0" smtClean="0"/>
-          </a:p>
-          <a:p>
-            <a:pPr marL="800100" lvl="1" indent="-342900" algn="just">
-              <a:buFont typeface="+mj-lt"/>
-              <a:buAutoNum type="arabicPeriod"/>
-            </a:pPr>
-            <a:r>
-              <a:rPr lang="es-ES" dirty="0" smtClean="0"/>
-              <a:t>DTD avanzado 1. Creación de un DTD de una factura XML y validación.</a:t>
-            </a:r>
-          </a:p>
-          <a:p>
-            <a:pPr marL="800100" lvl="1" indent="-342900" algn="just">
-              <a:buFont typeface="+mj-lt"/>
-              <a:buAutoNum type="arabicPeriod"/>
-            </a:pPr>
-            <a:r>
-              <a:rPr lang="es-ES" dirty="0" smtClean="0"/>
-              <a:t>DTD avanzado 2. Creación de un DTD de un fichero de películas.</a:t>
-            </a:r>
-          </a:p>
-          <a:p>
-            <a:pPr marL="800100" lvl="1" indent="-342900" algn="just">
-              <a:buFont typeface="+mj-lt"/>
-              <a:buAutoNum type="arabicPeriod"/>
-            </a:pPr>
-            <a:r>
-              <a:rPr lang="es-ES" dirty="0" smtClean="0"/>
-              <a:t>DTD avanzado 3. Creación de un XML y un DTD de los coches de un concesionario.</a:t>
-            </a:r>
-          </a:p>
-          <a:p>
-            <a:pPr marL="800100" lvl="1" indent="-342900" algn="just">
-              <a:buFont typeface="+mj-lt"/>
-              <a:buAutoNum type="arabicPeriod"/>
-            </a:pPr>
-            <a:r>
-              <a:rPr lang="es-ES" dirty="0" smtClean="0"/>
-              <a:t>DTD avanzado 4. Creación de un XML y un DTD a partir de un esquema.</a:t>
-            </a:r>
-          </a:p>
-          <a:p>
-            <a:pPr marL="800100" lvl="1" indent="-342900" algn="just">
-              <a:buFont typeface="+mj-lt"/>
-              <a:buAutoNum type="arabicPeriod"/>
-            </a:pPr>
-            <a:r>
-              <a:rPr lang="es-ES" dirty="0" smtClean="0"/>
-              <a:t>DTD avanzado 5. Obtención de XML y DTD a partir de una especificación.</a:t>
-            </a:r>
-          </a:p>
-          <a:p>
-            <a:pPr marL="800100" lvl="1" indent="-342900" algn="just">
-              <a:buFont typeface="+mj-lt"/>
-              <a:buAutoNum type="arabicPeriod"/>
-            </a:pPr>
-            <a:endParaRPr lang="es-ES" dirty="0" smtClean="0"/>
+              <a:rPr lang="es-ES" sz="2000" dirty="0" smtClean="0"/>
+              <a:t>Una entidad consiste en un nombre y su valor. </a:t>
+            </a:r>
+          </a:p>
+          <a:p>
+            <a:endParaRPr lang="es-ES" sz="2000" dirty="0" smtClean="0"/>
+          </a:p>
+          <a:p>
+            <a:r>
+              <a:rPr lang="es-ES" sz="2000" dirty="0" smtClean="0"/>
+              <a:t>El procesador XML sustituye las referencias a entidades por sus valores antes de procesar el documento. </a:t>
+            </a:r>
+          </a:p>
+          <a:p>
+            <a:endParaRPr lang="es-ES" sz="2000" dirty="0" smtClean="0"/>
+          </a:p>
+          <a:p>
+            <a:r>
+              <a:rPr lang="es-ES" sz="2000" dirty="0" smtClean="0"/>
+              <a:t>Una vez definida la entidad, se utilizan como </a:t>
+            </a:r>
+            <a:r>
+              <a:rPr lang="es-ES" sz="2000" b="1" dirty="0" smtClean="0">
+                <a:solidFill>
+                  <a:srgbClr val="FF0000"/>
+                </a:solidFill>
+              </a:rPr>
+              <a:t>&amp;</a:t>
+            </a:r>
+            <a:r>
+              <a:rPr lang="es-ES" sz="2000" b="1" dirty="0" err="1" smtClean="0">
+                <a:solidFill>
+                  <a:srgbClr val="FF0000"/>
+                </a:solidFill>
+              </a:rPr>
+              <a:t>nombreEntidad</a:t>
+            </a:r>
+            <a:r>
+              <a:rPr lang="es-ES" sz="2000" b="1" dirty="0" smtClean="0">
+                <a:solidFill>
+                  <a:srgbClr val="FF0000"/>
+                </a:solidFill>
+              </a:rPr>
+              <a:t>;</a:t>
+            </a:r>
+          </a:p>
+          <a:p>
+            <a:endParaRPr lang="es-ES" sz="2000" b="1" dirty="0" smtClean="0">
+              <a:solidFill>
+                <a:srgbClr val="FF0000"/>
+              </a:solidFill>
+            </a:endParaRPr>
+          </a:p>
+          <a:p>
+            <a:r>
+              <a:rPr lang="es-ES" sz="2000" dirty="0" smtClean="0"/>
+              <a:t>Las entidades pueden ser </a:t>
+            </a:r>
+            <a:r>
+              <a:rPr lang="es-ES" sz="2000" b="1" dirty="0" smtClean="0">
+                <a:solidFill>
+                  <a:srgbClr val="FF0000"/>
+                </a:solidFill>
+              </a:rPr>
+              <a:t>internas</a:t>
+            </a:r>
+            <a:r>
+              <a:rPr lang="es-ES" sz="2000" dirty="0" smtClean="0"/>
+              <a:t> o </a:t>
+            </a:r>
+            <a:r>
+              <a:rPr lang="es-ES" sz="2000" b="1" dirty="0" smtClean="0">
+                <a:solidFill>
+                  <a:srgbClr val="FF0000"/>
+                </a:solidFill>
+              </a:rPr>
+              <a:t>externas</a:t>
+            </a:r>
+            <a:r>
+              <a:rPr lang="es-ES" sz="2000" dirty="0" smtClean="0"/>
+              <a:t> y tanto unas como otras pueden ser </a:t>
+            </a:r>
+            <a:r>
+              <a:rPr lang="es-ES" sz="2000" b="1" dirty="0" smtClean="0">
+                <a:solidFill>
+                  <a:srgbClr val="0070C0"/>
+                </a:solidFill>
+              </a:rPr>
+              <a:t>generales</a:t>
+            </a:r>
+            <a:r>
+              <a:rPr lang="es-ES" sz="2000" dirty="0" smtClean="0"/>
+              <a:t> o </a:t>
+            </a:r>
+            <a:r>
+              <a:rPr lang="es-ES" sz="2000" b="1" dirty="0" smtClean="0">
+                <a:solidFill>
+                  <a:srgbClr val="0070C0"/>
+                </a:solidFill>
+              </a:rPr>
+              <a:t>paramétricas</a:t>
+            </a:r>
+            <a:r>
+              <a:rPr lang="es-ES" sz="2000" dirty="0" smtClean="0"/>
+              <a:t>.</a:t>
+            </a:r>
+            <a:endParaRPr lang="es-ES" sz="2000" b="1" dirty="0" smtClean="0">
+              <a:solidFill>
+                <a:srgbClr val="FF0000"/>
+              </a:solidFill>
+            </a:endParaRPr>
+          </a:p>
+          <a:p>
+            <a:endParaRPr lang="es-ES" sz="2000" b="1" dirty="0" smtClean="0">
+              <a:solidFill>
+                <a:srgbClr val="FF0000"/>
+              </a:solidFill>
+            </a:endParaRPr>
+          </a:p>
+          <a:p>
+            <a:endParaRPr lang="es-ES" sz="2000" b="1" dirty="0" smtClean="0"/>
+          </a:p>
+          <a:p>
+            <a:pPr marL="0" lvl="1" algn="just"/>
+            <a:r>
+              <a:rPr lang="es-ES" sz="2000" b="1" dirty="0" smtClean="0">
+                <a:solidFill>
+                  <a:srgbClr val="FF0000"/>
+                </a:solidFill>
+              </a:rPr>
+              <a:t>	</a:t>
+            </a:r>
+          </a:p>
+          <a:p>
+            <a:pPr lvl="1" algn="just"/>
+            <a:endParaRPr lang="es-ES" sz="2000" b="1" dirty="0" smtClean="0">
+              <a:solidFill>
+                <a:srgbClr val="FF0000"/>
+              </a:solidFill>
+            </a:endParaRPr>
+          </a:p>
+          <a:p>
+            <a:endParaRPr lang="es-ES" sz="2000" b="1" dirty="0" smtClean="0"/>
+          </a:p>
+          <a:p>
+            <a:endParaRPr lang="es-ES" sz="2000" b="1" dirty="0" smtClean="0"/>
+          </a:p>
+          <a:p>
+            <a:endParaRPr lang="es-ES" sz="2000" b="1" dirty="0" smtClean="0"/>
+          </a:p>
+          <a:p>
+            <a:endParaRPr lang="es-ES" sz="2000" b="1" dirty="0" smtClean="0"/>
           </a:p>
         </p:txBody>
       </p:sp>
@@ -7945,6 +8078,2238 @@
 </p:sld>
 </file>
 
+<file path=ppt/slides/slide20.xml><?xml version="1.0" encoding="utf-8"?>
+<p:sld xmlns:a="http://schemas.openxmlformats.org/drawingml/2006/main" xmlns:r="http://schemas.openxmlformats.org/officeDocument/2006/relationships" xmlns:p="http://schemas.openxmlformats.org/presentationml/2006/main">
+  <p:cSld>
+    <p:spTree>
+      <p:nvGrpSpPr>
+        <p:cNvPr id="1" name=""/>
+        <p:cNvGrpSpPr/>
+        <p:nvPr/>
+      </p:nvGrpSpPr>
+      <p:grpSpPr>
+        <a:xfrm>
+          <a:off x="0" y="0"/>
+          <a:ext cx="0" cy="0"/>
+          <a:chOff x="0" y="0"/>
+          <a:chExt cx="0" cy="0"/>
+        </a:xfrm>
+      </p:grpSpPr>
+      <p:sp>
+        <p:nvSpPr>
+          <p:cNvPr id="4" name="3 Título"/>
+          <p:cNvSpPr>
+            <a:spLocks noGrp="1"/>
+          </p:cNvSpPr>
+          <p:nvPr>
+            <p:ph type="title"/>
+          </p:nvPr>
+        </p:nvSpPr>
+        <p:spPr>
+          <a:xfrm>
+            <a:off x="0" y="-315416"/>
+            <a:ext cx="9144000" cy="1143000"/>
+          </a:xfrm>
+        </p:spPr>
+        <p:txBody>
+          <a:bodyPr>
+            <a:noAutofit/>
+          </a:bodyPr>
+          <a:lstStyle/>
+          <a:p>
+            <a:r>
+              <a:rPr lang="es-ES" dirty="0" smtClean="0"/>
+              <a:t>DTD: Definición de Tipo de Documento</a:t>
+            </a:r>
+          </a:p>
+        </p:txBody>
+      </p:sp>
+      <p:sp>
+        <p:nvSpPr>
+          <p:cNvPr id="5" name="4 CuadroTexto"/>
+          <p:cNvSpPr txBox="1"/>
+          <p:nvPr/>
+        </p:nvSpPr>
+        <p:spPr>
+          <a:xfrm>
+            <a:off x="359024" y="764704"/>
+            <a:ext cx="8784976" cy="8710077"/>
+          </a:xfrm>
+          <a:prstGeom prst="rect">
+            <a:avLst/>
+          </a:prstGeom>
+          <a:noFill/>
+        </p:spPr>
+        <p:txBody>
+          <a:bodyPr wrap="square" rtlCol="0">
+            <a:spAutoFit/>
+          </a:bodyPr>
+          <a:lstStyle/>
+          <a:p>
+            <a:r>
+              <a:rPr lang="es-ES" sz="2000" b="1" dirty="0" smtClean="0"/>
+              <a:t>Declaración de entidades</a:t>
+            </a:r>
+          </a:p>
+          <a:p>
+            <a:endParaRPr lang="es-ES" sz="2000" b="1" dirty="0" smtClean="0"/>
+          </a:p>
+          <a:p>
+            <a:r>
+              <a:rPr lang="es-ES" sz="2000" b="1" dirty="0" smtClean="0">
+                <a:solidFill>
+                  <a:srgbClr val="FF0000"/>
+                </a:solidFill>
+              </a:rPr>
+              <a:t>internas</a:t>
+            </a:r>
+            <a:r>
+              <a:rPr lang="es-ES" sz="2000" dirty="0" smtClean="0"/>
+              <a:t> (</a:t>
+            </a:r>
+            <a:r>
+              <a:rPr lang="es-ES" sz="2000" b="1" dirty="0" smtClean="0">
+                <a:solidFill>
+                  <a:srgbClr val="0070C0"/>
+                </a:solidFill>
+              </a:rPr>
+              <a:t>generales</a:t>
+            </a:r>
+            <a:r>
+              <a:rPr lang="es-ES" sz="2000" dirty="0" smtClean="0"/>
+              <a:t>)</a:t>
+            </a:r>
+            <a:endParaRPr lang="es-ES" sz="2000" b="1" dirty="0" smtClean="0">
+              <a:solidFill>
+                <a:srgbClr val="FF0000"/>
+              </a:solidFill>
+            </a:endParaRPr>
+          </a:p>
+          <a:p>
+            <a:endParaRPr lang="es-ES" sz="2000" b="1" dirty="0" smtClean="0"/>
+          </a:p>
+          <a:p>
+            <a:r>
+              <a:rPr lang="es-ES" sz="2000" dirty="0" smtClean="0"/>
+              <a:t>Se usan como abreviaturas que aparecerán en el documento XML. La razón de su uso es facilitar la escritura de nombres repetitivos (nombres de la empresa, direcciones muy utilizadas,…). </a:t>
+            </a:r>
+          </a:p>
+          <a:p>
+            <a:endParaRPr lang="es-ES" sz="2000" dirty="0" smtClean="0"/>
+          </a:p>
+          <a:p>
+            <a:r>
+              <a:rPr lang="es-ES" sz="2000" dirty="0" smtClean="0"/>
+              <a:t>La sintaxis para declarar una entidad de este tipo es:</a:t>
+            </a:r>
+          </a:p>
+          <a:p>
+            <a:endParaRPr lang="es-ES" sz="2000" b="1" dirty="0" smtClean="0"/>
+          </a:p>
+          <a:p>
+            <a:pPr marL="0" lvl="1" algn="just"/>
+            <a:r>
+              <a:rPr lang="es-ES" sz="2000" b="1" dirty="0" smtClean="0">
+                <a:solidFill>
+                  <a:srgbClr val="FF0000"/>
+                </a:solidFill>
+              </a:rPr>
+              <a:t>	 &lt;!ENTITY </a:t>
+            </a:r>
+            <a:r>
+              <a:rPr lang="es-ES" sz="2000" b="1" dirty="0" err="1" smtClean="0">
+                <a:solidFill>
+                  <a:srgbClr val="0070C0"/>
+                </a:solidFill>
+              </a:rPr>
+              <a:t>nombreEntidad</a:t>
+            </a:r>
+            <a:r>
+              <a:rPr lang="es-ES" sz="2000" b="1" dirty="0" smtClean="0">
+                <a:solidFill>
+                  <a:srgbClr val="FF0000"/>
+                </a:solidFill>
+              </a:rPr>
+              <a:t> </a:t>
+            </a:r>
+            <a:r>
+              <a:rPr lang="es-ES" sz="2000" b="1" dirty="0" smtClean="0"/>
+              <a:t>“</a:t>
+            </a:r>
+            <a:r>
+              <a:rPr lang="es-ES" sz="2000" b="1" dirty="0" err="1" smtClean="0"/>
+              <a:t>valorEntidad</a:t>
+            </a:r>
+            <a:r>
+              <a:rPr lang="es-ES" sz="2000" b="1" dirty="0" smtClean="0"/>
+              <a:t>”</a:t>
+            </a:r>
+            <a:r>
+              <a:rPr lang="es-ES" sz="2000" b="1" dirty="0" smtClean="0">
+                <a:solidFill>
+                  <a:srgbClr val="FF0000"/>
+                </a:solidFill>
+              </a:rPr>
+              <a:t>&gt;</a:t>
+            </a:r>
+          </a:p>
+          <a:p>
+            <a:pPr marL="0" lvl="1" algn="just"/>
+            <a:endParaRPr lang="es-ES" sz="2000" b="1" dirty="0" smtClean="0">
+              <a:solidFill>
+                <a:srgbClr val="FF0000"/>
+              </a:solidFill>
+            </a:endParaRPr>
+          </a:p>
+          <a:p>
+            <a:pPr marL="0" lvl="1" algn="just"/>
+            <a:endParaRPr lang="es-ES" sz="2000" b="1" dirty="0" smtClean="0">
+              <a:solidFill>
+                <a:srgbClr val="FF0000"/>
+              </a:solidFill>
+            </a:endParaRPr>
+          </a:p>
+          <a:p>
+            <a:pPr marL="0" lvl="1" algn="just"/>
+            <a:endParaRPr lang="es-ES" sz="2000" b="1" dirty="0" smtClean="0">
+              <a:solidFill>
+                <a:srgbClr val="FF0000"/>
+              </a:solidFill>
+            </a:endParaRPr>
+          </a:p>
+          <a:p>
+            <a:pPr marL="0" lvl="1" algn="just"/>
+            <a:endParaRPr lang="es-ES" sz="2000" b="1" dirty="0" smtClean="0">
+              <a:solidFill>
+                <a:srgbClr val="FF0000"/>
+              </a:solidFill>
+            </a:endParaRPr>
+          </a:p>
+          <a:p>
+            <a:pPr marL="457200" lvl="2" algn="just"/>
+            <a:r>
+              <a:rPr lang="es-ES" sz="2000" dirty="0" smtClean="0">
+                <a:solidFill>
+                  <a:srgbClr val="FF0000"/>
+                </a:solidFill>
+              </a:rPr>
+              <a:t>&lt;!ENTITY </a:t>
+            </a:r>
+            <a:r>
+              <a:rPr lang="es-ES" sz="2000" dirty="0" smtClean="0">
+                <a:solidFill>
+                  <a:srgbClr val="0070C0"/>
+                </a:solidFill>
+              </a:rPr>
+              <a:t>mayor</a:t>
+            </a:r>
+            <a:r>
+              <a:rPr lang="es-ES" sz="2000" dirty="0" smtClean="0">
+                <a:solidFill>
+                  <a:srgbClr val="FF0000"/>
+                </a:solidFill>
+              </a:rPr>
+              <a:t> “Calle Mayor Principal”&gt;</a:t>
+            </a:r>
+          </a:p>
+          <a:p>
+            <a:pPr marL="457200" lvl="2" algn="just"/>
+            <a:endParaRPr lang="es-ES" sz="2000" dirty="0" smtClean="0">
+              <a:solidFill>
+                <a:srgbClr val="FF0000"/>
+              </a:solidFill>
+            </a:endParaRPr>
+          </a:p>
+          <a:p>
+            <a:pPr marL="457200" lvl="2" algn="just"/>
+            <a:endParaRPr lang="es-ES" sz="2000" dirty="0" smtClean="0">
+              <a:solidFill>
+                <a:srgbClr val="FF0000"/>
+              </a:solidFill>
+            </a:endParaRPr>
+          </a:p>
+          <a:p>
+            <a:pPr marL="457200" lvl="2" algn="just"/>
+            <a:r>
+              <a:rPr lang="es-ES" sz="2000" dirty="0" smtClean="0">
+                <a:solidFill>
+                  <a:srgbClr val="FF0000"/>
+                </a:solidFill>
+              </a:rPr>
+              <a:t>&lt;dirección&gt;</a:t>
+            </a:r>
+            <a:r>
+              <a:rPr lang="es-ES" sz="2000" dirty="0" smtClean="0">
+                <a:solidFill>
+                  <a:srgbClr val="0070C0"/>
+                </a:solidFill>
+              </a:rPr>
+              <a:t>&amp;mayor;</a:t>
+            </a:r>
+            <a:r>
+              <a:rPr lang="es-ES" sz="2000" dirty="0" smtClean="0">
+                <a:solidFill>
+                  <a:srgbClr val="FF0000"/>
+                </a:solidFill>
+              </a:rPr>
+              <a:t> 18&lt;/dirección&gt;</a:t>
+            </a:r>
+          </a:p>
+          <a:p>
+            <a:pPr marL="0" lvl="1" algn="just"/>
+            <a:endParaRPr lang="es-ES" sz="2000" b="1" dirty="0" smtClean="0">
+              <a:solidFill>
+                <a:srgbClr val="FF0000"/>
+              </a:solidFill>
+            </a:endParaRPr>
+          </a:p>
+          <a:p>
+            <a:pPr marL="0" lvl="1" algn="just"/>
+            <a:endParaRPr lang="it-IT" sz="2000" dirty="0" smtClean="0">
+              <a:solidFill>
+                <a:srgbClr val="FF0000"/>
+              </a:solidFill>
+            </a:endParaRPr>
+          </a:p>
+          <a:p>
+            <a:pPr lvl="1" algn="just"/>
+            <a:endParaRPr lang="it-IT" sz="2000" b="1" dirty="0" smtClean="0">
+              <a:solidFill>
+                <a:srgbClr val="FF0000"/>
+              </a:solidFill>
+            </a:endParaRPr>
+          </a:p>
+          <a:p>
+            <a:pPr lvl="1" algn="just"/>
+            <a:endParaRPr lang="es-ES" sz="2000" b="1" dirty="0" smtClean="0">
+              <a:solidFill>
+                <a:srgbClr val="FF0000"/>
+              </a:solidFill>
+            </a:endParaRPr>
+          </a:p>
+          <a:p>
+            <a:pPr lvl="1" algn="just"/>
+            <a:endParaRPr lang="es-ES" sz="2000" b="1" dirty="0" smtClean="0">
+              <a:solidFill>
+                <a:srgbClr val="FF0000"/>
+              </a:solidFill>
+            </a:endParaRPr>
+          </a:p>
+          <a:p>
+            <a:endParaRPr lang="es-ES" sz="2000" b="1" dirty="0" smtClean="0"/>
+          </a:p>
+          <a:p>
+            <a:endParaRPr lang="es-ES" sz="2000" b="1" dirty="0" smtClean="0"/>
+          </a:p>
+          <a:p>
+            <a:endParaRPr lang="es-ES" sz="2000" b="1" dirty="0" smtClean="0"/>
+          </a:p>
+          <a:p>
+            <a:endParaRPr lang="es-ES" sz="2000" b="1" dirty="0" smtClean="0"/>
+          </a:p>
+        </p:txBody>
+      </p:sp>
+    </p:spTree>
+  </p:cSld>
+  <p:clrMapOvr>
+    <a:masterClrMapping/>
+  </p:clrMapOvr>
+  <p:timing>
+    <p:tnLst>
+      <p:par>
+        <p:cTn id="1" dur="indefinite" restart="never" nodeType="tmRoot"/>
+      </p:par>
+    </p:tnLst>
+  </p:timing>
+</p:sld>
+</file>
+
+<file path=ppt/slides/slide21.xml><?xml version="1.0" encoding="utf-8"?>
+<p:sld xmlns:a="http://schemas.openxmlformats.org/drawingml/2006/main" xmlns:r="http://schemas.openxmlformats.org/officeDocument/2006/relationships" xmlns:p="http://schemas.openxmlformats.org/presentationml/2006/main">
+  <p:cSld>
+    <p:spTree>
+      <p:nvGrpSpPr>
+        <p:cNvPr id="1" name=""/>
+        <p:cNvGrpSpPr/>
+        <p:nvPr/>
+      </p:nvGrpSpPr>
+      <p:grpSpPr>
+        <a:xfrm>
+          <a:off x="0" y="0"/>
+          <a:ext cx="0" cy="0"/>
+          <a:chOff x="0" y="0"/>
+          <a:chExt cx="0" cy="0"/>
+        </a:xfrm>
+      </p:grpSpPr>
+      <p:sp>
+        <p:nvSpPr>
+          <p:cNvPr id="4" name="3 Título"/>
+          <p:cNvSpPr>
+            <a:spLocks noGrp="1"/>
+          </p:cNvSpPr>
+          <p:nvPr>
+            <p:ph type="title"/>
+          </p:nvPr>
+        </p:nvSpPr>
+        <p:spPr>
+          <a:xfrm>
+            <a:off x="0" y="-315416"/>
+            <a:ext cx="9144000" cy="1143000"/>
+          </a:xfrm>
+        </p:spPr>
+        <p:txBody>
+          <a:bodyPr>
+            <a:noAutofit/>
+          </a:bodyPr>
+          <a:lstStyle/>
+          <a:p>
+            <a:r>
+              <a:rPr lang="es-ES" dirty="0" smtClean="0"/>
+              <a:t>DTD: Definición de Tipo de Documento</a:t>
+            </a:r>
+          </a:p>
+        </p:txBody>
+      </p:sp>
+      <p:sp>
+        <p:nvSpPr>
+          <p:cNvPr id="5" name="4 CuadroTexto"/>
+          <p:cNvSpPr txBox="1"/>
+          <p:nvPr/>
+        </p:nvSpPr>
+        <p:spPr>
+          <a:xfrm>
+            <a:off x="359024" y="764704"/>
+            <a:ext cx="8784976" cy="8325356"/>
+          </a:xfrm>
+          <a:prstGeom prst="rect">
+            <a:avLst/>
+          </a:prstGeom>
+          <a:noFill/>
+        </p:spPr>
+        <p:txBody>
+          <a:bodyPr wrap="square" rtlCol="0">
+            <a:spAutoFit/>
+          </a:bodyPr>
+          <a:lstStyle/>
+          <a:p>
+            <a:r>
+              <a:rPr lang="es-ES" sz="2000" b="1" dirty="0" smtClean="0"/>
+              <a:t>Declaración de entidades</a:t>
+            </a:r>
+          </a:p>
+          <a:p>
+            <a:endParaRPr lang="es-ES" sz="2000" b="1" dirty="0" smtClean="0"/>
+          </a:p>
+          <a:p>
+            <a:r>
+              <a:rPr lang="es-ES" sz="2000" b="1" dirty="0" smtClean="0">
+                <a:solidFill>
+                  <a:srgbClr val="FF0000"/>
+                </a:solidFill>
+              </a:rPr>
+              <a:t>externas</a:t>
+            </a:r>
+            <a:r>
+              <a:rPr lang="es-ES" sz="2000" b="1" dirty="0" smtClean="0"/>
+              <a:t> </a:t>
+            </a:r>
+            <a:r>
+              <a:rPr lang="es-ES" sz="2000" dirty="0" smtClean="0"/>
+              <a:t>(</a:t>
+            </a:r>
+            <a:r>
+              <a:rPr lang="es-ES" sz="2000" b="1" dirty="0" smtClean="0">
+                <a:solidFill>
+                  <a:srgbClr val="0070C0"/>
+                </a:solidFill>
+              </a:rPr>
+              <a:t>generales</a:t>
+            </a:r>
+            <a:r>
+              <a:rPr lang="es-ES" sz="2000" dirty="0" smtClean="0"/>
+              <a:t>)</a:t>
+            </a:r>
+            <a:r>
+              <a:rPr lang="es-ES" sz="2000" b="1" dirty="0" smtClean="0"/>
+              <a:t> </a:t>
+            </a:r>
+          </a:p>
+          <a:p>
+            <a:endParaRPr lang="es-ES" dirty="0" smtClean="0"/>
+          </a:p>
+          <a:p>
+            <a:r>
+              <a:rPr lang="es-ES" dirty="0" smtClean="0"/>
+              <a:t>Se distinguen dos casos:</a:t>
+            </a:r>
+          </a:p>
+          <a:p>
+            <a:endParaRPr lang="es-ES" dirty="0" smtClean="0"/>
+          </a:p>
+          <a:p>
+            <a:r>
+              <a:rPr lang="es-ES" dirty="0" smtClean="0"/>
+              <a:t>La entidad hace referencia a un </a:t>
+            </a:r>
+            <a:r>
+              <a:rPr lang="es-ES" b="1" dirty="0" smtClean="0">
+                <a:solidFill>
+                  <a:srgbClr val="0070C0"/>
+                </a:solidFill>
+              </a:rPr>
+              <a:t>fichero de texto </a:t>
+            </a:r>
+            <a:r>
+              <a:rPr lang="es-ES" dirty="0" smtClean="0"/>
+              <a:t>y en ese caso la entidad </a:t>
+            </a:r>
+            <a:r>
+              <a:rPr lang="es-ES" b="1" dirty="0" smtClean="0">
+                <a:solidFill>
+                  <a:srgbClr val="0070C0"/>
+                </a:solidFill>
+              </a:rPr>
+              <a:t>se sustituye </a:t>
+            </a:r>
+            <a:r>
+              <a:rPr lang="es-ES" dirty="0" smtClean="0"/>
+              <a:t>por el contenido del archivo.  </a:t>
+            </a:r>
+          </a:p>
+          <a:p>
+            <a:endParaRPr lang="es-ES" dirty="0" smtClean="0"/>
+          </a:p>
+          <a:p>
+            <a:r>
+              <a:rPr lang="es-ES" dirty="0" smtClean="0"/>
+              <a:t>La entidad puede ser una entidad de sistema, con la siguiente sintaxis:</a:t>
+            </a:r>
+          </a:p>
+          <a:p>
+            <a:endParaRPr lang="es-ES" dirty="0" smtClean="0"/>
+          </a:p>
+          <a:p>
+            <a:r>
+              <a:rPr lang="es-ES" dirty="0" smtClean="0"/>
+              <a:t>	</a:t>
+            </a:r>
+            <a:r>
+              <a:rPr lang="es-ES" sz="2000" b="1" dirty="0" smtClean="0">
+                <a:solidFill>
+                  <a:srgbClr val="FF0000"/>
+                </a:solidFill>
+              </a:rPr>
+              <a:t>&lt;!ENTITY </a:t>
+            </a:r>
+            <a:r>
+              <a:rPr lang="es-ES" sz="2000" b="1" dirty="0" err="1" smtClean="0">
+                <a:solidFill>
+                  <a:srgbClr val="0070C0"/>
+                </a:solidFill>
+              </a:rPr>
+              <a:t>nombreEntidad</a:t>
+            </a:r>
+            <a:r>
+              <a:rPr lang="es-ES" dirty="0" smtClean="0"/>
+              <a:t> </a:t>
+            </a:r>
+            <a:r>
+              <a:rPr lang="es-ES" sz="2000" b="1" dirty="0" smtClean="0">
+                <a:solidFill>
+                  <a:srgbClr val="FF0000"/>
+                </a:solidFill>
+              </a:rPr>
+              <a:t>SYSTEM</a:t>
+            </a:r>
+            <a:r>
+              <a:rPr lang="es-ES" dirty="0" smtClean="0"/>
+              <a:t> "</a:t>
+            </a:r>
+            <a:r>
+              <a:rPr lang="es-ES" sz="2100" dirty="0" err="1" smtClean="0">
+                <a:solidFill>
+                  <a:srgbClr val="00B050"/>
+                </a:solidFill>
+              </a:rPr>
+              <a:t>uri</a:t>
+            </a:r>
+            <a:r>
+              <a:rPr lang="es-ES" dirty="0" smtClean="0"/>
+              <a:t>"&gt;</a:t>
+            </a:r>
+          </a:p>
+          <a:p>
+            <a:endParaRPr lang="es-ES" dirty="0" smtClean="0"/>
+          </a:p>
+          <a:p>
+            <a:r>
+              <a:rPr lang="es-ES" dirty="0" smtClean="0"/>
+              <a:t>o puede ser una entidad pública, con la siguiente sintaxis:</a:t>
+            </a:r>
+          </a:p>
+          <a:p>
+            <a:endParaRPr lang="es-ES" dirty="0" smtClean="0"/>
+          </a:p>
+          <a:p>
+            <a:r>
+              <a:rPr lang="es-ES" dirty="0" smtClean="0"/>
+              <a:t>	</a:t>
+            </a:r>
+            <a:r>
+              <a:rPr lang="es-ES" sz="2000" b="1" dirty="0" smtClean="0">
+                <a:solidFill>
+                  <a:srgbClr val="FF0000"/>
+                </a:solidFill>
+              </a:rPr>
+              <a:t>&lt;!ENTITY </a:t>
+            </a:r>
+            <a:r>
+              <a:rPr lang="es-ES" sz="2000" b="1" dirty="0" err="1" smtClean="0">
+                <a:solidFill>
+                  <a:srgbClr val="0070C0"/>
+                </a:solidFill>
+              </a:rPr>
+              <a:t>nombreEntidad</a:t>
+            </a:r>
+            <a:r>
+              <a:rPr lang="es-ES" dirty="0" smtClean="0"/>
+              <a:t> </a:t>
+            </a:r>
+            <a:r>
+              <a:rPr lang="es-ES" sz="2000" b="1" dirty="0" smtClean="0">
+                <a:solidFill>
+                  <a:srgbClr val="FF0000"/>
+                </a:solidFill>
+              </a:rPr>
+              <a:t>PUBLIC</a:t>
+            </a:r>
+            <a:r>
+              <a:rPr lang="es-ES" dirty="0" smtClean="0"/>
+              <a:t> "</a:t>
+            </a:r>
+            <a:r>
+              <a:rPr lang="es-ES" dirty="0" err="1" smtClean="0">
+                <a:solidFill>
+                  <a:schemeClr val="accent6">
+                    <a:lumMod val="50000"/>
+                  </a:schemeClr>
+                </a:solidFill>
+              </a:rPr>
+              <a:t>fpi</a:t>
+            </a:r>
+            <a:r>
+              <a:rPr lang="es-ES" dirty="0" smtClean="0"/>
+              <a:t>" "</a:t>
+            </a:r>
+            <a:r>
+              <a:rPr lang="es-ES" sz="2100" dirty="0" err="1" smtClean="0">
+                <a:solidFill>
+                  <a:srgbClr val="00B050"/>
+                </a:solidFill>
+              </a:rPr>
+              <a:t>uri</a:t>
+            </a:r>
+            <a:r>
+              <a:rPr lang="es-ES" dirty="0" smtClean="0"/>
+              <a:t>"&gt;</a:t>
+            </a:r>
+          </a:p>
+          <a:p>
+            <a:endParaRPr lang="es-ES" dirty="0" smtClean="0"/>
+          </a:p>
+          <a:p>
+            <a:r>
+              <a:rPr lang="es-ES" dirty="0" smtClean="0"/>
+              <a:t>"</a:t>
+            </a:r>
+            <a:r>
+              <a:rPr lang="es-ES" sz="2000" b="1" dirty="0" err="1" smtClean="0">
+                <a:solidFill>
+                  <a:srgbClr val="0070C0"/>
+                </a:solidFill>
+              </a:rPr>
+              <a:t>nombreEntidad</a:t>
+            </a:r>
+            <a:r>
+              <a:rPr lang="es-ES" dirty="0" smtClean="0"/>
+              <a:t>" es el nombre de la entidad.</a:t>
+            </a:r>
+          </a:p>
+          <a:p>
+            <a:r>
+              <a:rPr lang="es-ES" dirty="0" smtClean="0"/>
+              <a:t> "</a:t>
+            </a:r>
+            <a:r>
+              <a:rPr lang="es-ES" sz="2100" dirty="0" err="1" smtClean="0">
+                <a:solidFill>
+                  <a:srgbClr val="00B050"/>
+                </a:solidFill>
+              </a:rPr>
+              <a:t>uri</a:t>
+            </a:r>
+            <a:r>
+              <a:rPr lang="es-ES" dirty="0" smtClean="0"/>
+              <a:t>" es el camino (absoluto o relativo) hasta un archivo.</a:t>
+            </a:r>
+          </a:p>
+          <a:p>
+            <a:r>
+              <a:rPr lang="es-ES" dirty="0" smtClean="0"/>
+              <a:t>"tipo" es el tipo de archivo (</a:t>
+            </a:r>
+            <a:r>
+              <a:rPr lang="es-ES" dirty="0" err="1" smtClean="0"/>
+              <a:t>gif</a:t>
+            </a:r>
+            <a:r>
+              <a:rPr lang="es-ES" dirty="0" smtClean="0"/>
+              <a:t>, </a:t>
+            </a:r>
+            <a:r>
+              <a:rPr lang="es-ES" dirty="0" err="1" smtClean="0"/>
+              <a:t>jpg</a:t>
+            </a:r>
+            <a:r>
+              <a:rPr lang="es-ES" dirty="0" smtClean="0"/>
+              <a:t>, </a:t>
+            </a:r>
+            <a:r>
+              <a:rPr lang="es-ES" dirty="0" err="1" smtClean="0"/>
+              <a:t>etc</a:t>
+            </a:r>
+            <a:r>
+              <a:rPr lang="es-ES" dirty="0" smtClean="0"/>
+              <a:t>).</a:t>
+            </a:r>
+          </a:p>
+          <a:p>
+            <a:r>
+              <a:rPr lang="es-ES" dirty="0" smtClean="0"/>
+              <a:t>"</a:t>
+            </a:r>
+            <a:r>
+              <a:rPr lang="es-ES" dirty="0" err="1" smtClean="0">
+                <a:solidFill>
+                  <a:schemeClr val="accent6">
+                    <a:lumMod val="50000"/>
+                  </a:schemeClr>
+                </a:solidFill>
+              </a:rPr>
+              <a:t>fpi</a:t>
+            </a:r>
+            <a:r>
+              <a:rPr lang="es-ES" dirty="0" smtClean="0"/>
+              <a:t>" es un </a:t>
+            </a:r>
+            <a:r>
+              <a:rPr lang="es-ES" dirty="0" err="1" smtClean="0"/>
+              <a:t>indentificador</a:t>
+            </a:r>
+            <a:r>
+              <a:rPr lang="es-ES" dirty="0" smtClean="0"/>
+              <a:t> público formal (Formal </a:t>
+            </a:r>
+            <a:r>
+              <a:rPr lang="es-ES" dirty="0" err="1" smtClean="0"/>
+              <a:t>Public</a:t>
+            </a:r>
+            <a:r>
+              <a:rPr lang="es-ES" dirty="0" smtClean="0"/>
+              <a:t> </a:t>
+            </a:r>
+            <a:r>
+              <a:rPr lang="es-ES" dirty="0" err="1" smtClean="0"/>
+              <a:t>Identifier</a:t>
+            </a:r>
+            <a:r>
+              <a:rPr lang="es-ES" dirty="0" smtClean="0"/>
+              <a:t>).</a:t>
+            </a:r>
+          </a:p>
+          <a:p>
+            <a:pPr marL="0" lvl="1" algn="just"/>
+            <a:endParaRPr lang="it-IT" sz="2000" b="1" dirty="0" smtClean="0">
+              <a:solidFill>
+                <a:srgbClr val="FF0000"/>
+              </a:solidFill>
+            </a:endParaRPr>
+          </a:p>
+          <a:p>
+            <a:pPr lvl="1" algn="just"/>
+            <a:endParaRPr lang="es-ES" sz="2000" b="1" dirty="0" smtClean="0">
+              <a:solidFill>
+                <a:srgbClr val="FF0000"/>
+              </a:solidFill>
+            </a:endParaRPr>
+          </a:p>
+          <a:p>
+            <a:pPr lvl="1" algn="just"/>
+            <a:endParaRPr lang="es-ES" sz="2000" b="1" dirty="0" smtClean="0">
+              <a:solidFill>
+                <a:srgbClr val="FF0000"/>
+              </a:solidFill>
+            </a:endParaRPr>
+          </a:p>
+          <a:p>
+            <a:endParaRPr lang="es-ES" sz="2000" b="1" dirty="0" smtClean="0"/>
+          </a:p>
+          <a:p>
+            <a:endParaRPr lang="es-ES" sz="2000" b="1" dirty="0" smtClean="0"/>
+          </a:p>
+          <a:p>
+            <a:endParaRPr lang="es-ES" sz="2000" b="1" dirty="0" smtClean="0"/>
+          </a:p>
+          <a:p>
+            <a:endParaRPr lang="es-ES" sz="2000" b="1" dirty="0" smtClean="0"/>
+          </a:p>
+        </p:txBody>
+      </p:sp>
+    </p:spTree>
+  </p:cSld>
+  <p:clrMapOvr>
+    <a:masterClrMapping/>
+  </p:clrMapOvr>
+  <p:timing>
+    <p:tnLst>
+      <p:par>
+        <p:cTn id="1" dur="indefinite" restart="never" nodeType="tmRoot"/>
+      </p:par>
+    </p:tnLst>
+  </p:timing>
+</p:sld>
+</file>
+
+<file path=ppt/slides/slide22.xml><?xml version="1.0" encoding="utf-8"?>
+<p:sld xmlns:a="http://schemas.openxmlformats.org/drawingml/2006/main" xmlns:r="http://schemas.openxmlformats.org/officeDocument/2006/relationships" xmlns:p="http://schemas.openxmlformats.org/presentationml/2006/main">
+  <p:cSld>
+    <p:spTree>
+      <p:nvGrpSpPr>
+        <p:cNvPr id="1" name=""/>
+        <p:cNvGrpSpPr/>
+        <p:nvPr/>
+      </p:nvGrpSpPr>
+      <p:grpSpPr>
+        <a:xfrm>
+          <a:off x="0" y="0"/>
+          <a:ext cx="0" cy="0"/>
+          <a:chOff x="0" y="0"/>
+          <a:chExt cx="0" cy="0"/>
+        </a:xfrm>
+      </p:grpSpPr>
+      <p:sp>
+        <p:nvSpPr>
+          <p:cNvPr id="4" name="3 Título"/>
+          <p:cNvSpPr>
+            <a:spLocks noGrp="1"/>
+          </p:cNvSpPr>
+          <p:nvPr>
+            <p:ph type="title"/>
+          </p:nvPr>
+        </p:nvSpPr>
+        <p:spPr>
+          <a:xfrm>
+            <a:off x="0" y="-315416"/>
+            <a:ext cx="9144000" cy="1143000"/>
+          </a:xfrm>
+        </p:spPr>
+        <p:txBody>
+          <a:bodyPr>
+            <a:noAutofit/>
+          </a:bodyPr>
+          <a:lstStyle/>
+          <a:p>
+            <a:r>
+              <a:rPr lang="es-ES" dirty="0" smtClean="0"/>
+              <a:t>DTD: Definición de Tipo de Documento</a:t>
+            </a:r>
+          </a:p>
+        </p:txBody>
+      </p:sp>
+      <p:sp>
+        <p:nvSpPr>
+          <p:cNvPr id="5" name="4 CuadroTexto"/>
+          <p:cNvSpPr txBox="1"/>
+          <p:nvPr/>
+        </p:nvSpPr>
+        <p:spPr>
+          <a:xfrm>
+            <a:off x="359024" y="764704"/>
+            <a:ext cx="8784976" cy="8325356"/>
+          </a:xfrm>
+          <a:prstGeom prst="rect">
+            <a:avLst/>
+          </a:prstGeom>
+          <a:noFill/>
+        </p:spPr>
+        <p:txBody>
+          <a:bodyPr wrap="square" rtlCol="0">
+            <a:spAutoFit/>
+          </a:bodyPr>
+          <a:lstStyle/>
+          <a:p>
+            <a:r>
+              <a:rPr lang="es-ES" sz="2000" b="1" dirty="0" smtClean="0"/>
+              <a:t>Declaración de entidades</a:t>
+            </a:r>
+          </a:p>
+          <a:p>
+            <a:endParaRPr lang="es-ES" sz="2000" b="1" dirty="0" smtClean="0"/>
+          </a:p>
+          <a:p>
+            <a:r>
+              <a:rPr lang="es-ES" sz="2000" b="1" dirty="0" smtClean="0">
+                <a:solidFill>
+                  <a:srgbClr val="FF0000"/>
+                </a:solidFill>
+              </a:rPr>
+              <a:t>externas</a:t>
+            </a:r>
+            <a:r>
+              <a:rPr lang="es-ES" sz="2000" b="1" dirty="0" smtClean="0"/>
+              <a:t> </a:t>
+            </a:r>
+            <a:r>
+              <a:rPr lang="es-ES" sz="2000" dirty="0" smtClean="0"/>
+              <a:t>(</a:t>
+            </a:r>
+            <a:r>
+              <a:rPr lang="es-ES" sz="2000" b="1" dirty="0" smtClean="0">
+                <a:solidFill>
+                  <a:srgbClr val="0070C0"/>
+                </a:solidFill>
+              </a:rPr>
+              <a:t>generales</a:t>
+            </a:r>
+            <a:r>
+              <a:rPr lang="es-ES" sz="2000" dirty="0" smtClean="0"/>
+              <a:t>)</a:t>
+            </a:r>
+            <a:r>
+              <a:rPr lang="es-ES" sz="2000" b="1" dirty="0" smtClean="0"/>
+              <a:t> </a:t>
+            </a:r>
+          </a:p>
+          <a:p>
+            <a:endParaRPr lang="es-ES" dirty="0" smtClean="0"/>
+          </a:p>
+          <a:p>
+            <a:r>
+              <a:rPr lang="es-ES" dirty="0" smtClean="0"/>
+              <a:t>Se distinguen dos casos:</a:t>
+            </a:r>
+          </a:p>
+          <a:p>
+            <a:endParaRPr lang="es-ES" dirty="0" smtClean="0"/>
+          </a:p>
+          <a:p>
+            <a:r>
+              <a:rPr lang="es-ES" dirty="0" smtClean="0"/>
+              <a:t>La entidad hace referencia a un </a:t>
+            </a:r>
+            <a:r>
+              <a:rPr lang="es-ES" b="1" dirty="0" smtClean="0">
+                <a:solidFill>
+                  <a:srgbClr val="0070C0"/>
+                </a:solidFill>
+              </a:rPr>
+              <a:t>fichero que </a:t>
+            </a:r>
+            <a:r>
+              <a:rPr lang="es-ES" b="1" dirty="0" smtClean="0">
+                <a:solidFill>
+                  <a:srgbClr val="FF0000"/>
+                </a:solidFill>
+              </a:rPr>
+              <a:t>no</a:t>
+            </a:r>
+            <a:r>
+              <a:rPr lang="es-ES" b="1" dirty="0" smtClean="0">
+                <a:solidFill>
+                  <a:srgbClr val="0070C0"/>
+                </a:solidFill>
+              </a:rPr>
+              <a:t> es de texto </a:t>
+            </a:r>
+            <a:r>
+              <a:rPr lang="es-ES" dirty="0" smtClean="0"/>
+              <a:t>(por ejemplo, una imagen) y en ese caso la entidad </a:t>
+            </a:r>
+            <a:r>
+              <a:rPr lang="es-ES" b="1" dirty="0" smtClean="0">
+                <a:solidFill>
+                  <a:srgbClr val="FF0000"/>
+                </a:solidFill>
+              </a:rPr>
+              <a:t>no</a:t>
+            </a:r>
+            <a:r>
+              <a:rPr lang="es-ES" b="1" dirty="0" smtClean="0">
+                <a:solidFill>
+                  <a:srgbClr val="0070C0"/>
+                </a:solidFill>
+              </a:rPr>
+              <a:t> se sustituye </a:t>
+            </a:r>
+            <a:r>
+              <a:rPr lang="es-ES" dirty="0" smtClean="0"/>
+              <a:t>por el contenido del archivo.</a:t>
+            </a:r>
+          </a:p>
+          <a:p>
+            <a:endParaRPr lang="es-ES" dirty="0" smtClean="0"/>
+          </a:p>
+          <a:p>
+            <a:r>
+              <a:rPr lang="es-ES" dirty="0" smtClean="0"/>
+              <a:t>La entidad puede ser una entidad de sistema, con la siguiente sintaxis:</a:t>
+            </a:r>
+          </a:p>
+          <a:p>
+            <a:endParaRPr lang="es-ES" dirty="0" smtClean="0"/>
+          </a:p>
+          <a:p>
+            <a:r>
+              <a:rPr lang="es-ES" dirty="0" smtClean="0"/>
+              <a:t>	</a:t>
+            </a:r>
+            <a:r>
+              <a:rPr lang="es-ES" sz="2000" b="1" dirty="0" smtClean="0">
+                <a:solidFill>
+                  <a:srgbClr val="FF0000"/>
+                </a:solidFill>
+              </a:rPr>
+              <a:t>&lt;!ENTITY </a:t>
+            </a:r>
+            <a:r>
+              <a:rPr lang="es-ES" sz="2000" b="1" dirty="0" err="1" smtClean="0">
+                <a:solidFill>
+                  <a:srgbClr val="0070C0"/>
+                </a:solidFill>
+              </a:rPr>
+              <a:t>nombreEntidad</a:t>
+            </a:r>
+            <a:r>
+              <a:rPr lang="es-ES" dirty="0" smtClean="0"/>
+              <a:t> </a:t>
+            </a:r>
+            <a:r>
+              <a:rPr lang="es-ES" sz="2000" b="1" dirty="0" smtClean="0">
+                <a:solidFill>
+                  <a:srgbClr val="FF0000"/>
+                </a:solidFill>
+              </a:rPr>
+              <a:t>SYSTEM</a:t>
+            </a:r>
+            <a:r>
+              <a:rPr lang="es-ES" dirty="0" smtClean="0"/>
+              <a:t> "</a:t>
+            </a:r>
+            <a:r>
+              <a:rPr lang="es-ES" sz="2100" dirty="0" err="1" smtClean="0">
+                <a:solidFill>
+                  <a:srgbClr val="00B050"/>
+                </a:solidFill>
+              </a:rPr>
+              <a:t>uri</a:t>
+            </a:r>
+            <a:r>
+              <a:rPr lang="es-ES" dirty="0" smtClean="0"/>
+              <a:t>" </a:t>
+            </a:r>
+            <a:r>
+              <a:rPr lang="es-ES" sz="2000" b="1" dirty="0" smtClean="0">
+                <a:solidFill>
+                  <a:srgbClr val="FF0000"/>
+                </a:solidFill>
+              </a:rPr>
+              <a:t>NDATA</a:t>
+            </a:r>
+            <a:r>
+              <a:rPr lang="es-ES" dirty="0" smtClean="0"/>
+              <a:t> tipo&gt;</a:t>
+            </a:r>
+          </a:p>
+          <a:p>
+            <a:endParaRPr lang="es-ES" dirty="0" smtClean="0"/>
+          </a:p>
+          <a:p>
+            <a:r>
+              <a:rPr lang="es-ES" dirty="0" smtClean="0"/>
+              <a:t>o puede ser una entidad pública, con la siguiente sintaxis:</a:t>
+            </a:r>
+          </a:p>
+          <a:p>
+            <a:endParaRPr lang="es-ES" dirty="0" smtClean="0"/>
+          </a:p>
+          <a:p>
+            <a:r>
+              <a:rPr lang="es-ES" dirty="0" smtClean="0"/>
+              <a:t>	</a:t>
+            </a:r>
+            <a:r>
+              <a:rPr lang="es-ES" sz="2000" b="1" dirty="0" smtClean="0">
+                <a:solidFill>
+                  <a:srgbClr val="FF0000"/>
+                </a:solidFill>
+              </a:rPr>
+              <a:t>&lt;!ENTITY </a:t>
+            </a:r>
+            <a:r>
+              <a:rPr lang="es-ES" sz="2000" b="1" dirty="0" err="1" smtClean="0">
+                <a:solidFill>
+                  <a:srgbClr val="0070C0"/>
+                </a:solidFill>
+              </a:rPr>
+              <a:t>nombreEntidad</a:t>
+            </a:r>
+            <a:r>
+              <a:rPr lang="es-ES" dirty="0" smtClean="0"/>
+              <a:t> </a:t>
+            </a:r>
+            <a:r>
+              <a:rPr lang="es-ES" sz="2000" b="1" dirty="0" smtClean="0">
+                <a:solidFill>
+                  <a:srgbClr val="FF0000"/>
+                </a:solidFill>
+              </a:rPr>
+              <a:t>PUBLIC</a:t>
+            </a:r>
+            <a:r>
+              <a:rPr lang="es-ES" dirty="0" smtClean="0"/>
+              <a:t> "</a:t>
+            </a:r>
+            <a:r>
+              <a:rPr lang="es-ES" dirty="0" err="1" smtClean="0">
+                <a:solidFill>
+                  <a:schemeClr val="accent6">
+                    <a:lumMod val="50000"/>
+                  </a:schemeClr>
+                </a:solidFill>
+              </a:rPr>
+              <a:t>fpi</a:t>
+            </a:r>
+            <a:r>
+              <a:rPr lang="es-ES" dirty="0" smtClean="0"/>
+              <a:t>" "</a:t>
+            </a:r>
+            <a:r>
+              <a:rPr lang="es-ES" sz="2100" dirty="0" err="1" smtClean="0">
+                <a:solidFill>
+                  <a:srgbClr val="00B050"/>
+                </a:solidFill>
+              </a:rPr>
+              <a:t>uri</a:t>
+            </a:r>
+            <a:r>
+              <a:rPr lang="es-ES" dirty="0" smtClean="0"/>
+              <a:t>" </a:t>
+            </a:r>
+            <a:r>
+              <a:rPr lang="es-ES" sz="2000" b="1" dirty="0" smtClean="0">
+                <a:solidFill>
+                  <a:srgbClr val="FF0000"/>
+                </a:solidFill>
+              </a:rPr>
+              <a:t>NDATA</a:t>
+            </a:r>
+            <a:r>
+              <a:rPr lang="es-ES" dirty="0" smtClean="0"/>
+              <a:t> tipo&gt;</a:t>
+            </a:r>
+          </a:p>
+          <a:p>
+            <a:endParaRPr lang="es-ES" dirty="0" smtClean="0"/>
+          </a:p>
+          <a:p>
+            <a:r>
+              <a:rPr lang="es-ES" dirty="0" smtClean="0"/>
+              <a:t>"</a:t>
+            </a:r>
+            <a:r>
+              <a:rPr lang="es-ES" sz="2000" b="1" dirty="0" err="1" smtClean="0">
+                <a:solidFill>
+                  <a:srgbClr val="0070C0"/>
+                </a:solidFill>
+              </a:rPr>
+              <a:t>nombreEntidad</a:t>
+            </a:r>
+            <a:r>
+              <a:rPr lang="es-ES" dirty="0" smtClean="0"/>
+              <a:t>" es el nombre de la entidad.</a:t>
+            </a:r>
+          </a:p>
+          <a:p>
+            <a:r>
+              <a:rPr lang="es-ES" dirty="0" smtClean="0"/>
+              <a:t> "</a:t>
+            </a:r>
+            <a:r>
+              <a:rPr lang="es-ES" sz="2100" dirty="0" err="1" smtClean="0">
+                <a:solidFill>
+                  <a:srgbClr val="00B050"/>
+                </a:solidFill>
+              </a:rPr>
+              <a:t>uri</a:t>
+            </a:r>
+            <a:r>
+              <a:rPr lang="es-ES" dirty="0" smtClean="0"/>
+              <a:t>" es el camino (absoluto o relativo) hasta un archivo.</a:t>
+            </a:r>
+          </a:p>
+          <a:p>
+            <a:r>
+              <a:rPr lang="es-ES" dirty="0" smtClean="0"/>
+              <a:t>"tipo" es el tipo de archivo (</a:t>
+            </a:r>
+            <a:r>
+              <a:rPr lang="es-ES" dirty="0" err="1" smtClean="0"/>
+              <a:t>gif</a:t>
+            </a:r>
+            <a:r>
+              <a:rPr lang="es-ES" dirty="0" smtClean="0"/>
+              <a:t>, </a:t>
+            </a:r>
+            <a:r>
+              <a:rPr lang="es-ES" dirty="0" err="1" smtClean="0"/>
+              <a:t>jpg</a:t>
+            </a:r>
+            <a:r>
+              <a:rPr lang="es-ES" dirty="0" smtClean="0"/>
+              <a:t>, </a:t>
+            </a:r>
+            <a:r>
+              <a:rPr lang="es-ES" dirty="0" err="1" smtClean="0"/>
+              <a:t>etc</a:t>
+            </a:r>
+            <a:r>
+              <a:rPr lang="es-ES" dirty="0" smtClean="0"/>
+              <a:t>).</a:t>
+            </a:r>
+          </a:p>
+          <a:p>
+            <a:r>
+              <a:rPr lang="es-ES" dirty="0" smtClean="0"/>
+              <a:t>"</a:t>
+            </a:r>
+            <a:r>
+              <a:rPr lang="es-ES" dirty="0" err="1" smtClean="0">
+                <a:solidFill>
+                  <a:schemeClr val="accent6">
+                    <a:lumMod val="50000"/>
+                  </a:schemeClr>
+                </a:solidFill>
+              </a:rPr>
+              <a:t>fpi</a:t>
+            </a:r>
+            <a:r>
+              <a:rPr lang="es-ES" dirty="0" smtClean="0"/>
+              <a:t>" es un </a:t>
+            </a:r>
+            <a:r>
+              <a:rPr lang="es-ES" dirty="0" err="1" smtClean="0"/>
+              <a:t>indentificador</a:t>
+            </a:r>
+            <a:r>
+              <a:rPr lang="es-ES" dirty="0" smtClean="0"/>
+              <a:t> público formal (Formal </a:t>
+            </a:r>
+            <a:r>
+              <a:rPr lang="es-ES" dirty="0" err="1" smtClean="0"/>
+              <a:t>Public</a:t>
+            </a:r>
+            <a:r>
+              <a:rPr lang="es-ES" dirty="0" smtClean="0"/>
+              <a:t> </a:t>
+            </a:r>
+            <a:r>
+              <a:rPr lang="es-ES" dirty="0" err="1" smtClean="0"/>
+              <a:t>Identifier</a:t>
+            </a:r>
+            <a:r>
+              <a:rPr lang="es-ES" dirty="0" smtClean="0"/>
+              <a:t>).</a:t>
+            </a:r>
+          </a:p>
+          <a:p>
+            <a:pPr marL="0" lvl="1" algn="just"/>
+            <a:endParaRPr lang="it-IT" sz="2000" b="1" dirty="0" smtClean="0">
+              <a:solidFill>
+                <a:srgbClr val="FF0000"/>
+              </a:solidFill>
+            </a:endParaRPr>
+          </a:p>
+          <a:p>
+            <a:pPr lvl="1" algn="just"/>
+            <a:endParaRPr lang="es-ES" sz="2000" b="1" dirty="0" smtClean="0">
+              <a:solidFill>
+                <a:srgbClr val="FF0000"/>
+              </a:solidFill>
+            </a:endParaRPr>
+          </a:p>
+          <a:p>
+            <a:pPr lvl="1" algn="just"/>
+            <a:endParaRPr lang="es-ES" sz="2000" b="1" dirty="0" smtClean="0">
+              <a:solidFill>
+                <a:srgbClr val="FF0000"/>
+              </a:solidFill>
+            </a:endParaRPr>
+          </a:p>
+          <a:p>
+            <a:endParaRPr lang="es-ES" sz="2000" b="1" dirty="0" smtClean="0"/>
+          </a:p>
+          <a:p>
+            <a:endParaRPr lang="es-ES" sz="2000" b="1" dirty="0" smtClean="0"/>
+          </a:p>
+          <a:p>
+            <a:endParaRPr lang="es-ES" sz="2000" b="1" dirty="0" smtClean="0"/>
+          </a:p>
+          <a:p>
+            <a:endParaRPr lang="es-ES" sz="2000" b="1" dirty="0" smtClean="0"/>
+          </a:p>
+        </p:txBody>
+      </p:sp>
+    </p:spTree>
+  </p:cSld>
+  <p:clrMapOvr>
+    <a:masterClrMapping/>
+  </p:clrMapOvr>
+  <p:timing>
+    <p:tnLst>
+      <p:par>
+        <p:cTn id="1" dur="indefinite" restart="never" nodeType="tmRoot"/>
+      </p:par>
+    </p:tnLst>
+  </p:timing>
+</p:sld>
+</file>
+
+<file path=ppt/slides/slide23.xml><?xml version="1.0" encoding="utf-8"?>
+<p:sld xmlns:a="http://schemas.openxmlformats.org/drawingml/2006/main" xmlns:r="http://schemas.openxmlformats.org/officeDocument/2006/relationships" xmlns:p="http://schemas.openxmlformats.org/presentationml/2006/main">
+  <p:cSld>
+    <p:spTree>
+      <p:nvGrpSpPr>
+        <p:cNvPr id="1" name=""/>
+        <p:cNvGrpSpPr/>
+        <p:nvPr/>
+      </p:nvGrpSpPr>
+      <p:grpSpPr>
+        <a:xfrm>
+          <a:off x="0" y="0"/>
+          <a:ext cx="0" cy="0"/>
+          <a:chOff x="0" y="0"/>
+          <a:chExt cx="0" cy="0"/>
+        </a:xfrm>
+      </p:grpSpPr>
+      <p:sp>
+        <p:nvSpPr>
+          <p:cNvPr id="4" name="3 Título"/>
+          <p:cNvSpPr>
+            <a:spLocks noGrp="1"/>
+          </p:cNvSpPr>
+          <p:nvPr>
+            <p:ph type="title"/>
+          </p:nvPr>
+        </p:nvSpPr>
+        <p:spPr>
+          <a:xfrm>
+            <a:off x="0" y="-315416"/>
+            <a:ext cx="9144000" cy="1143000"/>
+          </a:xfrm>
+        </p:spPr>
+        <p:txBody>
+          <a:bodyPr>
+            <a:noAutofit/>
+          </a:bodyPr>
+          <a:lstStyle/>
+          <a:p>
+            <a:r>
+              <a:rPr lang="es-ES" dirty="0" smtClean="0"/>
+              <a:t>DTD: Definición de Tipo de Documento</a:t>
+            </a:r>
+          </a:p>
+        </p:txBody>
+      </p:sp>
+      <p:sp>
+        <p:nvSpPr>
+          <p:cNvPr id="5" name="4 CuadroTexto"/>
+          <p:cNvSpPr txBox="1"/>
+          <p:nvPr/>
+        </p:nvSpPr>
+        <p:spPr>
+          <a:xfrm>
+            <a:off x="359024" y="764704"/>
+            <a:ext cx="8784976" cy="7201972"/>
+          </a:xfrm>
+          <a:prstGeom prst="rect">
+            <a:avLst/>
+          </a:prstGeom>
+          <a:noFill/>
+        </p:spPr>
+        <p:txBody>
+          <a:bodyPr wrap="square" rtlCol="0">
+            <a:spAutoFit/>
+          </a:bodyPr>
+          <a:lstStyle/>
+          <a:p>
+            <a:r>
+              <a:rPr lang="es-ES" sz="2000" b="1" dirty="0" smtClean="0"/>
+              <a:t>Declaración de entidades</a:t>
+            </a:r>
+          </a:p>
+          <a:p>
+            <a:endParaRPr lang="es-ES" sz="2000" b="1" dirty="0" smtClean="0"/>
+          </a:p>
+          <a:p>
+            <a:r>
+              <a:rPr lang="es-ES" sz="2000" b="1" dirty="0" smtClean="0"/>
+              <a:t>entidades de parámetros</a:t>
+            </a:r>
+          </a:p>
+          <a:p>
+            <a:endParaRPr lang="es-ES" sz="2000" b="1" dirty="0" smtClean="0"/>
+          </a:p>
+          <a:p>
+            <a:r>
+              <a:rPr lang="es-ES" dirty="0" smtClean="0"/>
+              <a:t>Las declaraciones de entidades paramétricas siguen la mismas sintaxis que las generales, pero llevan el carácter "</a:t>
+            </a:r>
+            <a:r>
+              <a:rPr lang="es-ES" b="1" dirty="0" smtClean="0">
+                <a:solidFill>
+                  <a:srgbClr val="FF0000"/>
+                </a:solidFill>
+              </a:rPr>
+              <a:t>%</a:t>
+            </a:r>
+            <a:r>
+              <a:rPr lang="es-ES" dirty="0" smtClean="0"/>
+              <a:t>" antes del nombre de la entidad. </a:t>
+            </a:r>
+          </a:p>
+          <a:p>
+            <a:endParaRPr lang="es-ES" dirty="0" smtClean="0"/>
+          </a:p>
+          <a:p>
+            <a:pPr lvl="1"/>
+            <a:r>
+              <a:rPr lang="es-ES" sz="2000" b="1" dirty="0" smtClean="0">
+                <a:solidFill>
+                  <a:srgbClr val="FF0000"/>
+                </a:solidFill>
+              </a:rPr>
+              <a:t>&lt;!ENTITY </a:t>
+            </a:r>
+            <a:r>
+              <a:rPr lang="es-ES" b="1" dirty="0" smtClean="0">
+                <a:solidFill>
+                  <a:srgbClr val="FF0000"/>
+                </a:solidFill>
+              </a:rPr>
+              <a:t>%</a:t>
+            </a:r>
+            <a:r>
+              <a:rPr lang="es-ES" dirty="0" smtClean="0"/>
+              <a:t> </a:t>
+            </a:r>
+            <a:r>
+              <a:rPr lang="es-ES" sz="2000" b="1" dirty="0" err="1" smtClean="0">
+                <a:solidFill>
+                  <a:srgbClr val="0070C0"/>
+                </a:solidFill>
+              </a:rPr>
+              <a:t>nombreEntidad</a:t>
+            </a:r>
+            <a:r>
+              <a:rPr lang="es-ES" dirty="0" smtClean="0"/>
+              <a:t> "</a:t>
+            </a:r>
+            <a:r>
+              <a:rPr lang="es-ES" dirty="0" err="1" smtClean="0"/>
+              <a:t>valorEntidad</a:t>
+            </a:r>
+            <a:r>
+              <a:rPr lang="es-ES" dirty="0" smtClean="0"/>
+              <a:t>"</a:t>
+            </a:r>
+            <a:r>
+              <a:rPr lang="es-ES" sz="2000" b="1" dirty="0" smtClean="0">
+                <a:solidFill>
+                  <a:srgbClr val="FF0000"/>
+                </a:solidFill>
+              </a:rPr>
+              <a:t>&gt;</a:t>
+            </a:r>
+          </a:p>
+          <a:p>
+            <a:pPr lvl="1"/>
+            <a:r>
+              <a:rPr lang="es-ES" sz="2000" b="1" dirty="0" smtClean="0">
+                <a:solidFill>
+                  <a:srgbClr val="FF0000"/>
+                </a:solidFill>
+              </a:rPr>
+              <a:t>&lt;!ENTITY </a:t>
+            </a:r>
+            <a:r>
+              <a:rPr lang="es-ES" b="1" dirty="0" smtClean="0">
+                <a:solidFill>
+                  <a:srgbClr val="FF0000"/>
+                </a:solidFill>
+              </a:rPr>
+              <a:t>%</a:t>
+            </a:r>
+            <a:r>
+              <a:rPr lang="es-ES" dirty="0" smtClean="0"/>
+              <a:t> </a:t>
+            </a:r>
+            <a:r>
+              <a:rPr lang="es-ES" sz="2000" b="1" dirty="0" err="1" smtClean="0">
+                <a:solidFill>
+                  <a:srgbClr val="0070C0"/>
+                </a:solidFill>
+              </a:rPr>
+              <a:t>nombreEntidad</a:t>
+            </a:r>
+            <a:r>
+              <a:rPr lang="es-ES" dirty="0" smtClean="0"/>
+              <a:t> </a:t>
+            </a:r>
+            <a:r>
+              <a:rPr lang="es-ES" sz="2000" b="1" dirty="0" smtClean="0">
+                <a:solidFill>
+                  <a:srgbClr val="FF0000"/>
+                </a:solidFill>
+              </a:rPr>
+              <a:t>SYSTEM</a:t>
+            </a:r>
+            <a:r>
+              <a:rPr lang="es-ES" dirty="0" smtClean="0"/>
+              <a:t> "</a:t>
+            </a:r>
+            <a:r>
+              <a:rPr lang="es-ES" sz="2100" dirty="0" err="1" smtClean="0">
+                <a:solidFill>
+                  <a:srgbClr val="00B050"/>
+                </a:solidFill>
+              </a:rPr>
+              <a:t>uri</a:t>
+            </a:r>
+            <a:r>
+              <a:rPr lang="es-ES" dirty="0" smtClean="0"/>
+              <a:t>"</a:t>
+            </a:r>
+            <a:r>
+              <a:rPr lang="es-ES" sz="2000" b="1" dirty="0" smtClean="0">
+                <a:solidFill>
+                  <a:srgbClr val="FF0000"/>
+                </a:solidFill>
+              </a:rPr>
+              <a:t>&gt;</a:t>
+            </a:r>
+          </a:p>
+          <a:p>
+            <a:pPr lvl="1"/>
+            <a:r>
+              <a:rPr lang="es-ES" sz="2000" b="1" dirty="0" smtClean="0">
+                <a:solidFill>
+                  <a:srgbClr val="FF0000"/>
+                </a:solidFill>
+              </a:rPr>
+              <a:t>&lt;!ENTITY </a:t>
+            </a:r>
+            <a:r>
+              <a:rPr lang="es-ES" b="1" dirty="0" smtClean="0">
+                <a:solidFill>
+                  <a:srgbClr val="FF0000"/>
+                </a:solidFill>
+              </a:rPr>
+              <a:t>%</a:t>
+            </a:r>
+            <a:r>
+              <a:rPr lang="es-ES" dirty="0" smtClean="0"/>
+              <a:t> </a:t>
+            </a:r>
+            <a:r>
+              <a:rPr lang="es-ES" sz="2000" b="1" dirty="0" err="1" smtClean="0">
+                <a:solidFill>
+                  <a:srgbClr val="0070C0"/>
+                </a:solidFill>
+              </a:rPr>
+              <a:t>nombreEntidad</a:t>
+            </a:r>
+            <a:r>
+              <a:rPr lang="es-ES" dirty="0" smtClean="0"/>
+              <a:t> </a:t>
+            </a:r>
+            <a:r>
+              <a:rPr lang="es-ES" sz="2000" b="1" dirty="0" smtClean="0">
+                <a:solidFill>
+                  <a:srgbClr val="FF0000"/>
+                </a:solidFill>
+              </a:rPr>
+              <a:t>SYSTEM</a:t>
+            </a:r>
+            <a:r>
+              <a:rPr lang="es-ES" dirty="0" smtClean="0"/>
+              <a:t> "</a:t>
+            </a:r>
+            <a:r>
+              <a:rPr lang="es-ES" sz="2100" dirty="0" err="1" smtClean="0">
+                <a:solidFill>
+                  <a:srgbClr val="00B050"/>
+                </a:solidFill>
+              </a:rPr>
+              <a:t>uri</a:t>
+            </a:r>
+            <a:r>
+              <a:rPr lang="es-ES" dirty="0" smtClean="0"/>
+              <a:t>" </a:t>
+            </a:r>
+            <a:r>
+              <a:rPr lang="es-ES" sz="2000" b="1" dirty="0" smtClean="0">
+                <a:solidFill>
+                  <a:srgbClr val="FF0000"/>
+                </a:solidFill>
+              </a:rPr>
+              <a:t>NDATA</a:t>
+            </a:r>
+            <a:r>
+              <a:rPr lang="es-ES" dirty="0" smtClean="0"/>
+              <a:t> tipo</a:t>
+            </a:r>
+            <a:r>
+              <a:rPr lang="es-ES" sz="2000" b="1" dirty="0" smtClean="0">
+                <a:solidFill>
+                  <a:srgbClr val="FF0000"/>
+                </a:solidFill>
+              </a:rPr>
+              <a:t>&gt;</a:t>
+            </a:r>
+          </a:p>
+          <a:p>
+            <a:endParaRPr lang="es-ES" dirty="0" smtClean="0"/>
+          </a:p>
+          <a:p>
+            <a:r>
+              <a:rPr lang="es-ES" dirty="0" smtClean="0"/>
+              <a:t>La diferencia entre entidades generales y paramétricas es que las entidades paramétricas se sustituyen por su valor en todo el documento (incluso en la propia declaración de tipo de documento) mientras que las generales no se sustituyen en la declaración de tipo de documento.</a:t>
+            </a:r>
+          </a:p>
+          <a:p>
+            <a:r>
+              <a:rPr lang="es-ES" dirty="0" smtClean="0"/>
+              <a:t/>
+            </a:r>
+            <a:br>
+              <a:rPr lang="es-ES" dirty="0" smtClean="0"/>
+            </a:br>
+            <a:endParaRPr lang="it-IT" sz="2000" dirty="0" smtClean="0">
+              <a:solidFill>
+                <a:srgbClr val="FF0000"/>
+              </a:solidFill>
+            </a:endParaRPr>
+          </a:p>
+          <a:p>
+            <a:pPr lvl="1" algn="just"/>
+            <a:endParaRPr lang="it-IT" sz="2000" b="1" dirty="0" smtClean="0">
+              <a:solidFill>
+                <a:srgbClr val="FF0000"/>
+              </a:solidFill>
+            </a:endParaRPr>
+          </a:p>
+          <a:p>
+            <a:pPr lvl="1" algn="just"/>
+            <a:endParaRPr lang="es-ES" sz="2000" b="1" dirty="0" smtClean="0">
+              <a:solidFill>
+                <a:srgbClr val="FF0000"/>
+              </a:solidFill>
+            </a:endParaRPr>
+          </a:p>
+          <a:p>
+            <a:pPr lvl="1" algn="just"/>
+            <a:endParaRPr lang="es-ES" sz="2000" b="1" dirty="0" smtClean="0">
+              <a:solidFill>
+                <a:srgbClr val="FF0000"/>
+              </a:solidFill>
+            </a:endParaRPr>
+          </a:p>
+          <a:p>
+            <a:endParaRPr lang="es-ES" sz="2000" b="1" dirty="0" smtClean="0"/>
+          </a:p>
+          <a:p>
+            <a:endParaRPr lang="es-ES" sz="2000" b="1" dirty="0" smtClean="0"/>
+          </a:p>
+          <a:p>
+            <a:endParaRPr lang="es-ES" sz="2000" b="1" dirty="0" smtClean="0"/>
+          </a:p>
+          <a:p>
+            <a:endParaRPr lang="es-ES" sz="2000" b="1" dirty="0" smtClean="0"/>
+          </a:p>
+        </p:txBody>
+      </p:sp>
+    </p:spTree>
+  </p:cSld>
+  <p:clrMapOvr>
+    <a:masterClrMapping/>
+  </p:clrMapOvr>
+  <p:timing>
+    <p:tnLst>
+      <p:par>
+        <p:cTn id="1" dur="indefinite" restart="never" nodeType="tmRoot"/>
+      </p:par>
+    </p:tnLst>
+  </p:timing>
+</p:sld>
+</file>
+
+<file path=ppt/slides/slide24.xml><?xml version="1.0" encoding="utf-8"?>
+<p:sld xmlns:a="http://schemas.openxmlformats.org/drawingml/2006/main" xmlns:r="http://schemas.openxmlformats.org/officeDocument/2006/relationships" xmlns:p="http://schemas.openxmlformats.org/presentationml/2006/main">
+  <p:cSld>
+    <p:spTree>
+      <p:nvGrpSpPr>
+        <p:cNvPr id="1" name=""/>
+        <p:cNvGrpSpPr/>
+        <p:nvPr/>
+      </p:nvGrpSpPr>
+      <p:grpSpPr>
+        <a:xfrm>
+          <a:off x="0" y="0"/>
+          <a:ext cx="0" cy="0"/>
+          <a:chOff x="0" y="0"/>
+          <a:chExt cx="0" cy="0"/>
+        </a:xfrm>
+      </p:grpSpPr>
+      <p:sp>
+        <p:nvSpPr>
+          <p:cNvPr id="4" name="3 Título"/>
+          <p:cNvSpPr>
+            <a:spLocks noGrp="1"/>
+          </p:cNvSpPr>
+          <p:nvPr>
+            <p:ph type="title"/>
+          </p:nvPr>
+        </p:nvSpPr>
+        <p:spPr>
+          <a:xfrm>
+            <a:off x="0" y="-315416"/>
+            <a:ext cx="9144000" cy="1143000"/>
+          </a:xfrm>
+        </p:spPr>
+        <p:txBody>
+          <a:bodyPr>
+            <a:noAutofit/>
+          </a:bodyPr>
+          <a:lstStyle/>
+          <a:p>
+            <a:r>
+              <a:rPr lang="es-ES" dirty="0" smtClean="0"/>
+              <a:t>DTD: Definición de Tipo de Documento</a:t>
+            </a:r>
+          </a:p>
+        </p:txBody>
+      </p:sp>
+      <p:sp>
+        <p:nvSpPr>
+          <p:cNvPr id="5" name="4 CuadroTexto"/>
+          <p:cNvSpPr txBox="1"/>
+          <p:nvPr/>
+        </p:nvSpPr>
+        <p:spPr>
+          <a:xfrm>
+            <a:off x="179512" y="764704"/>
+            <a:ext cx="8964488" cy="7725192"/>
+          </a:xfrm>
+          <a:prstGeom prst="rect">
+            <a:avLst/>
+          </a:prstGeom>
+          <a:noFill/>
+        </p:spPr>
+        <p:txBody>
+          <a:bodyPr wrap="square" rtlCol="0">
+            <a:spAutoFit/>
+          </a:bodyPr>
+          <a:lstStyle/>
+          <a:p>
+            <a:r>
+              <a:rPr lang="es-ES" sz="2000" b="1" dirty="0" smtClean="0"/>
+              <a:t>Notaciones</a:t>
+            </a:r>
+            <a:endParaRPr lang="es-ES" sz="2100" b="1" dirty="0" smtClean="0">
+              <a:solidFill>
+                <a:srgbClr val="FF0000"/>
+              </a:solidFill>
+            </a:endParaRPr>
+          </a:p>
+          <a:p>
+            <a:endParaRPr lang="es-ES" sz="2000" b="1" dirty="0" smtClean="0">
+              <a:solidFill>
+                <a:srgbClr val="FF0000"/>
+              </a:solidFill>
+            </a:endParaRPr>
+          </a:p>
+          <a:p>
+            <a:pPr marL="449263"/>
+            <a:r>
+              <a:rPr lang="es-ES" sz="2000" b="1" dirty="0" smtClean="0">
+                <a:solidFill>
+                  <a:srgbClr val="FF0000"/>
+                </a:solidFill>
+              </a:rPr>
+              <a:t>&lt;!NOTATION </a:t>
+            </a:r>
+            <a:r>
+              <a:rPr lang="es-ES" sz="2000" b="1" dirty="0" err="1" smtClean="0">
+                <a:solidFill>
+                  <a:srgbClr val="0070C0"/>
+                </a:solidFill>
+              </a:rPr>
+              <a:t>nombreNotación</a:t>
+            </a:r>
+            <a:r>
+              <a:rPr lang="es-ES" sz="2000" b="1" dirty="0" smtClean="0">
+                <a:solidFill>
+                  <a:srgbClr val="FF0000"/>
+                </a:solidFill>
+              </a:rPr>
+              <a:t> SYSTEM </a:t>
+            </a:r>
+            <a:r>
+              <a:rPr lang="es-ES" sz="2000" b="1" dirty="0" smtClean="0"/>
+              <a:t>“i</a:t>
+            </a:r>
+            <a:r>
+              <a:rPr lang="es-ES" sz="2100" b="1" dirty="0" smtClean="0"/>
+              <a:t>dentificador-del-sistema”</a:t>
+            </a:r>
+            <a:r>
+              <a:rPr lang="es-ES" sz="2100" b="1" dirty="0" smtClean="0">
+                <a:solidFill>
+                  <a:srgbClr val="FF0000"/>
+                </a:solidFill>
+              </a:rPr>
+              <a:t>&gt;</a:t>
+            </a:r>
+          </a:p>
+          <a:p>
+            <a:endParaRPr lang="es-ES" sz="2100" b="1" dirty="0" smtClean="0">
+              <a:solidFill>
+                <a:srgbClr val="FF0000"/>
+              </a:solidFill>
+            </a:endParaRPr>
+          </a:p>
+          <a:p>
+            <a:r>
+              <a:rPr lang="es-ES" sz="2000" dirty="0" smtClean="0"/>
+              <a:t>Se pueden utilizar para especificar el formato de entidades externas (datos no XML), como por ejemplo un archivo que contenga una imagen. Dichas entidades externas no las analizará un procesador XML, sino que serán tratadas por el programa que procese el documento.</a:t>
+            </a:r>
+          </a:p>
+          <a:p>
+            <a:endParaRPr lang="es-ES" dirty="0" smtClean="0"/>
+          </a:p>
+          <a:p>
+            <a:pPr lvl="1"/>
+            <a:r>
+              <a:rPr lang="es-ES" dirty="0" smtClean="0"/>
+              <a:t>&lt;?</a:t>
+            </a:r>
+            <a:r>
+              <a:rPr lang="es-ES" dirty="0" err="1" smtClean="0"/>
+              <a:t>xml</a:t>
+            </a:r>
+            <a:r>
+              <a:rPr lang="es-ES" dirty="0" smtClean="0"/>
+              <a:t> </a:t>
+            </a:r>
+            <a:r>
+              <a:rPr lang="es-ES" dirty="0" err="1" smtClean="0"/>
+              <a:t>version</a:t>
+            </a:r>
+            <a:r>
+              <a:rPr lang="es-ES" dirty="0" smtClean="0"/>
+              <a:t>="1.0" </a:t>
+            </a:r>
+            <a:r>
+              <a:rPr lang="es-ES" dirty="0" err="1" smtClean="0"/>
+              <a:t>encoding</a:t>
+            </a:r>
+            <a:r>
+              <a:rPr lang="es-ES" dirty="0" smtClean="0"/>
+              <a:t>="UTF-8" </a:t>
+            </a:r>
+            <a:r>
+              <a:rPr lang="es-ES" dirty="0" err="1" smtClean="0"/>
+              <a:t>standalone</a:t>
+            </a:r>
+            <a:r>
+              <a:rPr lang="es-ES" dirty="0" smtClean="0"/>
+              <a:t>="no"?&gt; </a:t>
+            </a:r>
+          </a:p>
+          <a:p>
+            <a:pPr lvl="1"/>
+            <a:r>
+              <a:rPr lang="es-ES" dirty="0" smtClean="0"/>
+              <a:t>&lt;!DOCTYPE frutas [ </a:t>
+            </a:r>
+          </a:p>
+          <a:p>
+            <a:pPr lvl="1"/>
+            <a:r>
+              <a:rPr lang="es-ES" dirty="0" smtClean="0"/>
+              <a:t>	&lt;!ELEMENT frutas (fruta)*&gt; </a:t>
+            </a:r>
+          </a:p>
+          <a:p>
+            <a:pPr lvl="1"/>
+            <a:r>
+              <a:rPr lang="es-ES" dirty="0" smtClean="0"/>
+              <a:t>	&lt;!ELEMENT fruta EMPTY&gt; </a:t>
+            </a:r>
+          </a:p>
+          <a:p>
+            <a:pPr lvl="1"/>
+            <a:r>
+              <a:rPr lang="es-ES" dirty="0" smtClean="0"/>
+              <a:t>	&lt;!ATTLIST fruta foto ENTITY #REQUIRED&gt; </a:t>
+            </a:r>
+          </a:p>
+          <a:p>
+            <a:pPr lvl="1"/>
+            <a:r>
+              <a:rPr lang="es-ES" dirty="0" smtClean="0"/>
+              <a:t>	&lt;!ENTITY manzana SYSTEM "manzana.gif" NDATA </a:t>
+            </a:r>
+            <a:r>
+              <a:rPr lang="es-ES" b="1" dirty="0" err="1" smtClean="0">
+                <a:solidFill>
+                  <a:srgbClr val="0070C0"/>
+                </a:solidFill>
+              </a:rPr>
+              <a:t>gif</a:t>
+            </a:r>
+            <a:r>
+              <a:rPr lang="es-ES" dirty="0" smtClean="0"/>
+              <a:t>&gt; </a:t>
+            </a:r>
+          </a:p>
+          <a:p>
+            <a:pPr lvl="1"/>
+            <a:r>
+              <a:rPr lang="es-ES" dirty="0" smtClean="0"/>
+              <a:t>	 </a:t>
+            </a:r>
+            <a:r>
+              <a:rPr lang="es-ES" b="1" dirty="0" smtClean="0">
+                <a:solidFill>
+                  <a:srgbClr val="FF0000"/>
+                </a:solidFill>
+              </a:rPr>
+              <a:t>&lt;!NOTATION </a:t>
+            </a:r>
+            <a:r>
+              <a:rPr lang="es-ES" b="1" dirty="0" err="1" smtClean="0">
+                <a:solidFill>
+                  <a:srgbClr val="0070C0"/>
+                </a:solidFill>
+              </a:rPr>
+              <a:t>gif</a:t>
+            </a:r>
+            <a:r>
+              <a:rPr lang="es-ES" dirty="0" smtClean="0"/>
+              <a:t> </a:t>
+            </a:r>
+            <a:r>
+              <a:rPr lang="es-ES" b="1" dirty="0" smtClean="0">
+                <a:solidFill>
+                  <a:srgbClr val="FF0000"/>
+                </a:solidFill>
+              </a:rPr>
+              <a:t>SYSTEM</a:t>
+            </a:r>
+            <a:r>
+              <a:rPr lang="es-ES" dirty="0" smtClean="0"/>
+              <a:t> </a:t>
+            </a:r>
+            <a:r>
+              <a:rPr lang="es-ES" b="1" dirty="0" smtClean="0"/>
+              <a:t>"aplicaciones/procesadorGIF.exe"</a:t>
+            </a:r>
+            <a:r>
+              <a:rPr lang="es-ES" dirty="0" smtClean="0"/>
+              <a:t>&gt; </a:t>
+            </a:r>
+          </a:p>
+          <a:p>
+            <a:pPr lvl="1"/>
+            <a:r>
+              <a:rPr lang="es-ES" dirty="0" smtClean="0"/>
+              <a:t>]&gt;</a:t>
+            </a:r>
+          </a:p>
+          <a:p>
+            <a:pPr lvl="1"/>
+            <a:endParaRPr lang="es-ES" dirty="0" smtClean="0"/>
+          </a:p>
+          <a:p>
+            <a:pPr lvl="1"/>
+            <a:r>
+              <a:rPr lang="es-ES" dirty="0" smtClean="0"/>
+              <a:t> &lt;frutas&gt; &lt;fruta foto="manzana"/&gt; &lt;/frutas&gt;</a:t>
+            </a:r>
+          </a:p>
+          <a:p>
+            <a:endParaRPr lang="es-ES" sz="2000" b="1" dirty="0" smtClean="0">
+              <a:solidFill>
+                <a:srgbClr val="FF0000"/>
+              </a:solidFill>
+            </a:endParaRPr>
+          </a:p>
+          <a:p>
+            <a:r>
+              <a:rPr lang="es-ES" sz="2000" b="1" dirty="0" smtClean="0">
+                <a:solidFill>
+                  <a:srgbClr val="FF0000"/>
+                </a:solidFill>
+              </a:rPr>
+              <a:t>	</a:t>
+            </a:r>
+          </a:p>
+          <a:p>
+            <a:endParaRPr lang="es-ES" sz="2000" b="1" dirty="0" smtClean="0"/>
+          </a:p>
+          <a:p>
+            <a:endParaRPr lang="es-ES" sz="2000" b="1" dirty="0" smtClean="0"/>
+          </a:p>
+          <a:p>
+            <a:endParaRPr lang="es-ES" sz="2000" b="1" dirty="0" smtClean="0"/>
+          </a:p>
+          <a:p>
+            <a:pPr lvl="1" algn="just"/>
+            <a:endParaRPr lang="es-ES" b="1" dirty="0" smtClean="0"/>
+          </a:p>
+          <a:p>
+            <a:pPr algn="just"/>
+            <a:endParaRPr lang="es-ES" dirty="0"/>
+          </a:p>
+        </p:txBody>
+      </p:sp>
+    </p:spTree>
+  </p:cSld>
+  <p:clrMapOvr>
+    <a:masterClrMapping/>
+  </p:clrMapOvr>
+  <p:timing>
+    <p:tnLst>
+      <p:par>
+        <p:cTn id="1" dur="indefinite" restart="never" nodeType="tmRoot"/>
+      </p:par>
+    </p:tnLst>
+  </p:timing>
+</p:sld>
+</file>
+
+<file path=ppt/slides/slide25.xml><?xml version="1.0" encoding="utf-8"?>
+<p:sld xmlns:a="http://schemas.openxmlformats.org/drawingml/2006/main" xmlns:r="http://schemas.openxmlformats.org/officeDocument/2006/relationships" xmlns:p="http://schemas.openxmlformats.org/presentationml/2006/main">
+  <p:cSld>
+    <p:spTree>
+      <p:nvGrpSpPr>
+        <p:cNvPr id="1" name=""/>
+        <p:cNvGrpSpPr/>
+        <p:nvPr/>
+      </p:nvGrpSpPr>
+      <p:grpSpPr>
+        <a:xfrm>
+          <a:off x="0" y="0"/>
+          <a:ext cx="0" cy="0"/>
+          <a:chOff x="0" y="0"/>
+          <a:chExt cx="0" cy="0"/>
+        </a:xfrm>
+      </p:grpSpPr>
+      <p:sp>
+        <p:nvSpPr>
+          <p:cNvPr id="4" name="3 Título"/>
+          <p:cNvSpPr>
+            <a:spLocks noGrp="1"/>
+          </p:cNvSpPr>
+          <p:nvPr>
+            <p:ph type="title"/>
+          </p:nvPr>
+        </p:nvSpPr>
+        <p:spPr>
+          <a:xfrm>
+            <a:off x="467544" y="-315416"/>
+            <a:ext cx="8229600" cy="1143000"/>
+          </a:xfrm>
+        </p:spPr>
+        <p:txBody>
+          <a:bodyPr>
+            <a:normAutofit fontScale="90000"/>
+          </a:bodyPr>
+          <a:lstStyle/>
+          <a:p>
+            <a:r>
+              <a:rPr lang="es-ES" dirty="0" smtClean="0"/>
+              <a:t>DTD: Definición de Tipo de Documento</a:t>
+            </a:r>
+            <a:endParaRPr lang="es-ES" dirty="0"/>
+          </a:p>
+        </p:txBody>
+      </p:sp>
+      <p:sp>
+        <p:nvSpPr>
+          <p:cNvPr id="5" name="4 CuadroTexto"/>
+          <p:cNvSpPr txBox="1"/>
+          <p:nvPr/>
+        </p:nvSpPr>
+        <p:spPr>
+          <a:xfrm>
+            <a:off x="251520" y="764704"/>
+            <a:ext cx="8784976" cy="4062651"/>
+          </a:xfrm>
+          <a:prstGeom prst="rect">
+            <a:avLst/>
+          </a:prstGeom>
+          <a:noFill/>
+        </p:spPr>
+        <p:txBody>
+          <a:bodyPr wrap="square" rtlCol="0">
+            <a:spAutoFit/>
+          </a:bodyPr>
+          <a:lstStyle/>
+          <a:p>
+            <a:r>
+              <a:rPr lang="es-ES" sz="2000" b="1" dirty="0" smtClean="0"/>
+              <a:t>Atributos </a:t>
+            </a:r>
+          </a:p>
+          <a:p>
+            <a:endParaRPr lang="es-ES" sz="2000" b="1" dirty="0" smtClean="0"/>
+          </a:p>
+          <a:p>
+            <a:r>
+              <a:rPr lang="es-ES" sz="2000" b="1" dirty="0" smtClean="0"/>
+              <a:t>Ejercicios</a:t>
+            </a:r>
+          </a:p>
+          <a:p>
+            <a:pPr algn="just"/>
+            <a:endParaRPr lang="es-ES" dirty="0" smtClean="0"/>
+          </a:p>
+          <a:p>
+            <a:pPr algn="just"/>
+            <a:endParaRPr lang="es-ES" dirty="0" smtClean="0"/>
+          </a:p>
+          <a:p>
+            <a:pPr algn="just"/>
+            <a:endParaRPr lang="es-ES" dirty="0" smtClean="0"/>
+          </a:p>
+          <a:p>
+            <a:pPr marL="800100" lvl="1" indent="-342900" algn="just">
+              <a:buFont typeface="+mj-lt"/>
+              <a:buAutoNum type="arabicPeriod"/>
+            </a:pPr>
+            <a:r>
+              <a:rPr lang="es-ES" dirty="0" smtClean="0"/>
+              <a:t>DTD avanzado 1. Creación de un DTD de una factura XML y validación.</a:t>
+            </a:r>
+          </a:p>
+          <a:p>
+            <a:pPr marL="800100" lvl="1" indent="-342900" algn="just">
+              <a:buFont typeface="+mj-lt"/>
+              <a:buAutoNum type="arabicPeriod"/>
+            </a:pPr>
+            <a:r>
+              <a:rPr lang="es-ES" dirty="0" smtClean="0"/>
+              <a:t>DTD avanzado 2. Creación de un DTD de un fichero de películas.</a:t>
+            </a:r>
+          </a:p>
+          <a:p>
+            <a:pPr marL="800100" lvl="1" indent="-342900" algn="just">
+              <a:buFont typeface="+mj-lt"/>
+              <a:buAutoNum type="arabicPeriod"/>
+            </a:pPr>
+            <a:r>
+              <a:rPr lang="es-ES" dirty="0" smtClean="0"/>
+              <a:t>DTD avanzado 3. Creación de un XML y un DTD de los coches de un concesionario (</a:t>
+            </a:r>
+            <a:r>
+              <a:rPr lang="es-ES" b="1" dirty="0" smtClean="0"/>
+              <a:t>IDREF</a:t>
+            </a:r>
+            <a:r>
+              <a:rPr lang="es-ES" dirty="0" smtClean="0"/>
+              <a:t> e </a:t>
+            </a:r>
+            <a:r>
+              <a:rPr lang="es-ES" b="1" dirty="0" smtClean="0"/>
+              <a:t>IDREFS</a:t>
+            </a:r>
+            <a:r>
+              <a:rPr lang="es-ES" dirty="0" smtClean="0"/>
+              <a:t>).</a:t>
+            </a:r>
+          </a:p>
+          <a:p>
+            <a:pPr marL="800100" lvl="1" indent="-342900" algn="just">
+              <a:buFont typeface="+mj-lt"/>
+              <a:buAutoNum type="arabicPeriod"/>
+            </a:pPr>
+            <a:r>
+              <a:rPr lang="es-ES" dirty="0" smtClean="0"/>
+              <a:t>DTD avanzado 4. Creación de un XML y un DTD a partir de un esquema.</a:t>
+            </a:r>
+          </a:p>
+          <a:p>
+            <a:pPr marL="800100" lvl="1" indent="-342900" algn="just">
+              <a:buFont typeface="+mj-lt"/>
+              <a:buAutoNum type="arabicPeriod"/>
+            </a:pPr>
+            <a:r>
+              <a:rPr lang="es-ES" dirty="0" smtClean="0"/>
+              <a:t>DTD avanzado 5. Obtención de XML y DTD a partir de una especificación (</a:t>
+            </a:r>
+            <a:r>
+              <a:rPr lang="es-ES" b="1" dirty="0" smtClean="0"/>
+              <a:t>entidades </a:t>
+            </a:r>
+            <a:r>
+              <a:rPr lang="es-ES" dirty="0" smtClean="0"/>
+              <a:t>y </a:t>
+            </a:r>
+            <a:r>
+              <a:rPr lang="es-ES" b="1" dirty="0" smtClean="0"/>
+              <a:t>notaciones</a:t>
+            </a:r>
+            <a:r>
+              <a:rPr lang="es-ES" dirty="0" smtClean="0"/>
+              <a:t>).</a:t>
+            </a:r>
+          </a:p>
+          <a:p>
+            <a:pPr marL="800100" lvl="1" indent="-342900" algn="just">
+              <a:buFont typeface="+mj-lt"/>
+              <a:buAutoNum type="arabicPeriod"/>
+            </a:pPr>
+            <a:endParaRPr lang="es-ES" dirty="0" smtClean="0"/>
+          </a:p>
+        </p:txBody>
+      </p:sp>
+    </p:spTree>
+  </p:cSld>
+  <p:clrMapOvr>
+    <a:masterClrMapping/>
+  </p:clrMapOvr>
+  <p:timing>
+    <p:tnLst>
+      <p:par>
+        <p:cTn id="1" dur="indefinite" restart="never" nodeType="tmRoot"/>
+      </p:par>
+    </p:tnLst>
+  </p:timing>
+</p:sld>
+</file>
+
 <file path=ppt/slides/slide3.xml><?xml version="1.0" encoding="utf-8"?>
 <p:sld xmlns:a="http://schemas.openxmlformats.org/drawingml/2006/main" xmlns:r="http://schemas.openxmlformats.org/officeDocument/2006/relationships" xmlns:p="http://schemas.openxmlformats.org/presentationml/2006/main">
   <p:cSld>
@@ -9056,7 +11421,7 @@
                   <a:srgbClr val="FF0000"/>
                 </a:solidFill>
               </a:rPr>
-              <a:t>=“</a:t>
+              <a:t>="</a:t>
             </a:r>
             <a:r>
               <a:rPr lang="es-ES" sz="2000" dirty="0" smtClean="0"/>
@@ -9648,7 +12013,7 @@
                   <a:srgbClr val="FF0000"/>
                 </a:solidFill>
               </a:rPr>
-              <a:t>=“</a:t>
+              <a:t>="</a:t>
             </a:r>
             <a:r>
               <a:rPr lang="es-ES" sz="2000" dirty="0" smtClean="0"/>
@@ -10151,7 +12516,7 @@
                   <a:srgbClr val="FF0000"/>
                 </a:solidFill>
               </a:rPr>
-              <a:t>=“</a:t>
+              <a:t>="</a:t>
             </a:r>
             <a:r>
               <a:rPr lang="es-ES" sz="2000" dirty="0" smtClean="0"/>
@@ -10590,7 +12955,7 @@
                   <a:srgbClr val="FF0000"/>
                 </a:solidFill>
               </a:rPr>
-              <a:t>=“1L"&gt;Un mundo feliz&lt;/libro&gt; </a:t>
+              <a:t>="1L"&gt;Un mundo feliz&lt;/libro&gt; </a:t>
             </a:r>
             <a:r>
               <a:rPr lang="es-ES" dirty="0" smtClean="0">
@@ -10779,7 +13144,31 @@
             </a:r>
             <a:r>
               <a:rPr lang="es-ES" sz="2000" dirty="0" smtClean="0"/>
-              <a:t> con el valor del atributo ID de </a:t>
+              <a:t> con </a:t>
+            </a:r>
+            <a:r>
+              <a:rPr lang="es-ES" sz="2000" dirty="0" smtClean="0">
+                <a:solidFill>
+                  <a:srgbClr val="0070C0"/>
+                </a:solidFill>
+              </a:rPr>
+              <a:t>el valor </a:t>
+            </a:r>
+            <a:r>
+              <a:rPr lang="es-ES" sz="2000" dirty="0" smtClean="0"/>
+              <a:t>de un atributo </a:t>
+            </a:r>
+            <a:r>
+              <a:rPr lang="es-ES" sz="2000" dirty="0" smtClean="0">
+                <a:solidFill>
+                  <a:srgbClr val="0070C0"/>
+                </a:solidFill>
+              </a:rPr>
+              <a:t>de tipo ID</a:t>
+            </a:r>
+            <a:r>
+              <a:rPr lang="es-ES" sz="2000" dirty="0" smtClean="0"/>
+              <a:t> de </a:t>
             </a:r>
             <a:r>
               <a:rPr lang="es-ES" sz="2000" dirty="0" smtClean="0">
